--- a/FEFU Invaders.pptx
+++ b/FEFU Invaders.pptx
@@ -5,25 +5,26 @@
     <p:sldMasterId id="2147483648" r:id="rId1"/>
   </p:sldMasterIdLst>
   <p:notesMasterIdLst>
-    <p:notesMasterId r:id="rId12"/>
+    <p:notesMasterId r:id="rId13"/>
   </p:notesMasterIdLst>
   <p:handoutMasterIdLst>
-    <p:handoutMasterId r:id="rId17"/>
+    <p:handoutMasterId r:id="rId18"/>
   </p:handoutMasterIdLst>
   <p:sldIdLst>
     <p:sldId id="256" r:id="rId3"/>
     <p:sldId id="257" r:id="rId4"/>
     <p:sldId id="258" r:id="rId5"/>
-    <p:sldId id="259" r:id="rId6"/>
-    <p:sldId id="260" r:id="rId7"/>
-    <p:sldId id="261" r:id="rId8"/>
-    <p:sldId id="263" r:id="rId9"/>
-    <p:sldId id="262" r:id="rId10"/>
-    <p:sldId id="264" r:id="rId11"/>
-    <p:sldId id="266" r:id="rId13"/>
-    <p:sldId id="267" r:id="rId14"/>
-    <p:sldId id="268" r:id="rId15"/>
-    <p:sldId id="269" r:id="rId16"/>
+    <p:sldId id="270" r:id="rId6"/>
+    <p:sldId id="259" r:id="rId7"/>
+    <p:sldId id="260" r:id="rId8"/>
+    <p:sldId id="261" r:id="rId9"/>
+    <p:sldId id="263" r:id="rId10"/>
+    <p:sldId id="262" r:id="rId11"/>
+    <p:sldId id="264" r:id="rId12"/>
+    <p:sldId id="266" r:id="rId14"/>
+    <p:sldId id="267" r:id="rId15"/>
+    <p:sldId id="268" r:id="rId16"/>
+    <p:sldId id="269" r:id="rId17"/>
   </p:sldIdLst>
   <p:sldSz cx="12192000" cy="6858000"/>
   <p:notesSz cx="6858000" cy="9144000"/>
@@ -688,7 +689,7 @@
             <a:spLocks noGrp="1"/>
           </p:cNvSpPr>
           <p:nvPr>
-            <p:ph type="ctrTitle"/>
+            <p:ph type="ctrTitle" hasCustomPrompt="1"/>
           </p:nvPr>
         </p:nvSpPr>
         <p:spPr>
@@ -720,7 +721,7 @@
             <a:spLocks noGrp="1"/>
           </p:cNvSpPr>
           <p:nvPr>
-            <p:ph type="subTitle" idx="1"/>
+            <p:ph type="subTitle" idx="1" hasCustomPrompt="1"/>
           </p:nvPr>
         </p:nvSpPr>
         <p:spPr>
@@ -880,7 +881,7 @@
             <a:spLocks noGrp="1"/>
           </p:cNvSpPr>
           <p:nvPr>
-            <p:ph type="title"/>
+            <p:ph type="title" hasCustomPrompt="1"/>
           </p:nvPr>
         </p:nvSpPr>
         <p:spPr/>
@@ -903,7 +904,7 @@
             <a:spLocks noGrp="1"/>
           </p:cNvSpPr>
           <p:nvPr>
-            <p:ph type="body" orient="vert" idx="1"/>
+            <p:ph type="body" orient="vert" idx="1" hasCustomPrompt="1"/>
           </p:nvPr>
         </p:nvSpPr>
         <p:spPr/>
@@ -1053,7 +1054,7 @@
             <a:spLocks noGrp="1"/>
           </p:cNvSpPr>
           <p:nvPr>
-            <p:ph type="title" orient="vert"/>
+            <p:ph type="title" orient="vert" hasCustomPrompt="1"/>
           </p:nvPr>
         </p:nvSpPr>
         <p:spPr>
@@ -1081,7 +1082,7 @@
             <a:spLocks noGrp="1"/>
           </p:cNvSpPr>
           <p:nvPr>
-            <p:ph type="body" orient="vert" idx="1"/>
+            <p:ph type="body" orient="vert" idx="1" hasCustomPrompt="1"/>
           </p:nvPr>
         </p:nvSpPr>
         <p:spPr>
@@ -1236,7 +1237,7 @@
             <a:spLocks noGrp="1"/>
           </p:cNvSpPr>
           <p:nvPr>
-            <p:ph type="title"/>
+            <p:ph type="title" hasCustomPrompt="1"/>
           </p:nvPr>
         </p:nvSpPr>
         <p:spPr/>
@@ -1259,7 +1260,7 @@
             <a:spLocks noGrp="1"/>
           </p:cNvSpPr>
           <p:nvPr>
-            <p:ph idx="1"/>
+            <p:ph idx="1" hasCustomPrompt="1"/>
           </p:nvPr>
         </p:nvSpPr>
         <p:spPr/>
@@ -1415,7 +1416,7 @@
             <a:spLocks noGrp="1"/>
           </p:cNvSpPr>
           <p:nvPr>
-            <p:ph type="title"/>
+            <p:ph type="title" hasCustomPrompt="1"/>
           </p:nvPr>
         </p:nvSpPr>
         <p:spPr>
@@ -1447,7 +1448,7 @@
             <a:spLocks noGrp="1"/>
           </p:cNvSpPr>
           <p:nvPr>
-            <p:ph type="body" idx="1"/>
+            <p:ph type="body" idx="1" hasCustomPrompt="1"/>
           </p:nvPr>
         </p:nvSpPr>
         <p:spPr>
@@ -1660,7 +1661,7 @@
             <a:spLocks noGrp="1"/>
           </p:cNvSpPr>
           <p:nvPr>
-            <p:ph type="title"/>
+            <p:ph type="title" hasCustomPrompt="1"/>
           </p:nvPr>
         </p:nvSpPr>
         <p:spPr/>
@@ -1683,7 +1684,7 @@
             <a:spLocks noGrp="1"/>
           </p:cNvSpPr>
           <p:nvPr>
-            <p:ph sz="half" idx="1"/>
+            <p:ph sz="half" idx="1" hasCustomPrompt="1"/>
           </p:nvPr>
         </p:nvSpPr>
         <p:spPr>
@@ -1744,7 +1745,7 @@
             <a:spLocks noGrp="1"/>
           </p:cNvSpPr>
           <p:nvPr>
-            <p:ph sz="half" idx="2"/>
+            <p:ph sz="half" idx="2" hasCustomPrompt="1"/>
           </p:nvPr>
         </p:nvSpPr>
         <p:spPr>
@@ -1899,7 +1900,7 @@
             <a:spLocks noGrp="1"/>
           </p:cNvSpPr>
           <p:nvPr>
-            <p:ph type="title"/>
+            <p:ph type="title" hasCustomPrompt="1"/>
           </p:nvPr>
         </p:nvSpPr>
         <p:spPr>
@@ -1927,7 +1928,7 @@
             <a:spLocks noGrp="1"/>
           </p:cNvSpPr>
           <p:nvPr>
-            <p:ph type="body" idx="1"/>
+            <p:ph type="body" idx="1" hasCustomPrompt="1"/>
           </p:nvPr>
         </p:nvSpPr>
         <p:spPr>
@@ -1992,7 +1993,7 @@
             <a:spLocks noGrp="1"/>
           </p:cNvSpPr>
           <p:nvPr>
-            <p:ph sz="half" idx="2"/>
+            <p:ph sz="half" idx="2" hasCustomPrompt="1"/>
           </p:nvPr>
         </p:nvSpPr>
         <p:spPr>
@@ -2053,7 +2054,7 @@
             <a:spLocks noGrp="1"/>
           </p:cNvSpPr>
           <p:nvPr>
-            <p:ph type="body" sz="quarter" idx="3"/>
+            <p:ph type="body" sz="quarter" idx="3" hasCustomPrompt="1"/>
           </p:nvPr>
         </p:nvSpPr>
         <p:spPr>
@@ -2118,7 +2119,7 @@
             <a:spLocks noGrp="1"/>
           </p:cNvSpPr>
           <p:nvPr>
-            <p:ph sz="quarter" idx="4"/>
+            <p:ph sz="quarter" idx="4" hasCustomPrompt="1"/>
           </p:nvPr>
         </p:nvSpPr>
         <p:spPr>
@@ -2273,7 +2274,7 @@
             <a:spLocks noGrp="1"/>
           </p:cNvSpPr>
           <p:nvPr>
-            <p:ph type="title"/>
+            <p:ph type="title" hasCustomPrompt="1"/>
           </p:nvPr>
         </p:nvSpPr>
         <p:spPr/>
@@ -2484,7 +2485,7 @@
             <a:spLocks noGrp="1"/>
           </p:cNvSpPr>
           <p:nvPr>
-            <p:ph type="title"/>
+            <p:ph type="title" hasCustomPrompt="1"/>
           </p:nvPr>
         </p:nvSpPr>
         <p:spPr>
@@ -2516,7 +2517,7 @@
             <a:spLocks noGrp="1"/>
           </p:cNvSpPr>
           <p:nvPr>
-            <p:ph idx="1"/>
+            <p:ph idx="1" hasCustomPrompt="1"/>
           </p:nvPr>
         </p:nvSpPr>
         <p:spPr>
@@ -2605,7 +2606,7 @@
             <a:spLocks noGrp="1"/>
           </p:cNvSpPr>
           <p:nvPr>
-            <p:ph type="body" sz="half" idx="2"/>
+            <p:ph type="body" sz="half" idx="2" hasCustomPrompt="1"/>
           </p:nvPr>
         </p:nvSpPr>
         <p:spPr>
@@ -2764,7 +2765,7 @@
             <a:spLocks noGrp="1"/>
           </p:cNvSpPr>
           <p:nvPr>
-            <p:ph type="title"/>
+            <p:ph type="title" hasCustomPrompt="1"/>
           </p:nvPr>
         </p:nvSpPr>
         <p:spPr>
@@ -2857,7 +2858,7 @@
             <a:spLocks noGrp="1"/>
           </p:cNvSpPr>
           <p:nvPr>
-            <p:ph type="body" sz="half" idx="2"/>
+            <p:ph type="body" sz="half" idx="2" hasCustomPrompt="1"/>
           </p:nvPr>
         </p:nvSpPr>
         <p:spPr>
@@ -3464,7 +3465,7 @@
         <a:spcAft>
           <a:spcPct val="0"/>
         </a:spcAft>
-        <a:buFont typeface="Arial" panose="02080604020202020204" charset="0"/>
+        <a:buFont typeface="Arial" charset="0"/>
         <a:buNone/>
         <a:defRPr sz="1800" b="0" i="0" u="none" kern="1200" baseline="0">
           <a:solidFill>
@@ -3485,7 +3486,7 @@
         <a:spcAft>
           <a:spcPct val="0"/>
         </a:spcAft>
-        <a:buFont typeface="Arial" panose="02080604020202020204" charset="0"/>
+        <a:buFont typeface="Arial" charset="0"/>
         <a:buNone/>
         <a:defRPr sz="1800" b="0" i="0" u="none" kern="1200" baseline="0">
           <a:solidFill>
@@ -3506,7 +3507,7 @@
         <a:spcAft>
           <a:spcPct val="0"/>
         </a:spcAft>
-        <a:buFont typeface="Arial" panose="02080604020202020204" charset="0"/>
+        <a:buFont typeface="Arial" charset="0"/>
         <a:buNone/>
         <a:defRPr sz="1800" b="0" i="0" u="none" kern="1200" baseline="0">
           <a:solidFill>
@@ -3527,7 +3528,7 @@
         <a:spcAft>
           <a:spcPct val="0"/>
         </a:spcAft>
-        <a:buFont typeface="Arial" panose="02080604020202020204" charset="0"/>
+        <a:buFont typeface="Arial" charset="0"/>
         <a:buNone/>
         <a:defRPr sz="1800" b="0" i="0" u="none" kern="1200" baseline="0">
           <a:solidFill>
@@ -3548,7 +3549,7 @@
         <a:spcAft>
           <a:spcPct val="0"/>
         </a:spcAft>
-        <a:buFont typeface="Arial" panose="02080604020202020204" charset="0"/>
+        <a:buFont typeface="Arial" charset="0"/>
         <a:buNone/>
         <a:defRPr sz="1800" b="0" i="0" u="none" kern="1200" baseline="0">
           <a:solidFill>
@@ -3569,7 +3570,7 @@
         <a:spcAft>
           <a:spcPct val="0"/>
         </a:spcAft>
-        <a:buFont typeface="Arial" panose="02080604020202020204" charset="0"/>
+        <a:buFont typeface="Arial" charset="0"/>
         <a:buNone/>
         <a:defRPr sz="1800" b="0" i="0" u="none" kern="1200" baseline="0">
           <a:solidFill>
@@ -3590,7 +3591,7 @@
         <a:spcAft>
           <a:spcPct val="0"/>
         </a:spcAft>
-        <a:buFont typeface="Arial" panose="02080604020202020204" charset="0"/>
+        <a:buFont typeface="Arial" charset="0"/>
         <a:buNone/>
         <a:defRPr sz="1800" b="0" i="0" u="none" kern="1200" baseline="0">
           <a:solidFill>
@@ -3611,7 +3612,7 @@
         <a:spcAft>
           <a:spcPct val="0"/>
         </a:spcAft>
-        <a:buFont typeface="Arial" panose="02080604020202020204" charset="0"/>
+        <a:buFont typeface="Arial" charset="0"/>
         <a:buNone/>
         <a:defRPr sz="1800" b="0" i="0" u="none" kern="1200" baseline="0">
           <a:solidFill>
@@ -3632,7 +3633,7 @@
         <a:spcAft>
           <a:spcPct val="0"/>
         </a:spcAft>
-        <a:buFont typeface="Arial" panose="02080604020202020204" charset="0"/>
+        <a:buFont typeface="Arial" charset="0"/>
         <a:buNone/>
         <a:defRPr sz="1800" b="0" i="0" u="none" kern="1200" baseline="0">
           <a:solidFill>
@@ -3679,12 +3680,12 @@
           <a:p>
             <a:r>
               <a:rPr lang="x-none" altLang="en-US" sz="6000">
-                <a:latin typeface="Arial" panose="02080604020202020204" charset="0"/>
+                <a:latin typeface="Arial" charset="0"/>
               </a:rPr>
               <a:t>FEFU Invaders</a:t>
             </a:r>
             <a:endParaRPr lang="x-none" altLang="en-US" sz="6000">
-              <a:latin typeface="Arial" panose="02080604020202020204" charset="0"/>
+              <a:latin typeface="Arial" charset="0"/>
             </a:endParaRPr>
           </a:p>
         </p:txBody>
@@ -3709,13 +3710,13 @@
             <a:pPr algn="l"/>
             <a:r>
               <a:rPr lang="x-none" altLang="en-US">
-                <a:latin typeface="Arial" panose="02080604020202020204" charset="0"/>
+                <a:latin typeface="Arial" charset="0"/>
                 <a:sym typeface="+mn-ea"/>
               </a:rPr>
               <a:t>Студентый группы Б8103а:</a:t>
             </a:r>
             <a:endParaRPr lang="x-none" altLang="en-US">
-              <a:latin typeface="Arial" panose="02080604020202020204" charset="0"/>
+              <a:latin typeface="Arial" charset="0"/>
               <a:sym typeface="+mn-ea"/>
             </a:endParaRPr>
           </a:p>
@@ -3723,13 +3724,13 @@
             <a:pPr algn="l"/>
             <a:r>
               <a:rPr lang="x-none" altLang="en-US">
-                <a:latin typeface="Arial" panose="02080604020202020204" charset="0"/>
+                <a:latin typeface="Arial" charset="0"/>
                 <a:sym typeface="+mn-ea"/>
               </a:rPr>
               <a:t>Паленный Дмитрий</a:t>
             </a:r>
             <a:endParaRPr lang="x-none" altLang="en-US">
-              <a:latin typeface="Arial" panose="02080604020202020204" charset="0"/>
+              <a:latin typeface="Arial" charset="0"/>
               <a:sym typeface="+mn-ea"/>
             </a:endParaRPr>
           </a:p>
@@ -3737,13 +3738,13 @@
             <a:pPr algn="l"/>
             <a:r>
               <a:rPr lang="x-none" altLang="en-US">
-                <a:latin typeface="Arial" panose="02080604020202020204" charset="0"/>
+                <a:latin typeface="Arial" charset="0"/>
                 <a:sym typeface="+mn-ea"/>
               </a:rPr>
               <a:t>Потоцкая Анастасия</a:t>
             </a:r>
             <a:endParaRPr lang="x-none" altLang="en-US">
-              <a:latin typeface="Arial" panose="02080604020202020204" charset="0"/>
+              <a:latin typeface="Arial" charset="0"/>
               <a:sym typeface="+mn-ea"/>
             </a:endParaRPr>
           </a:p>
@@ -3751,13 +3752,13 @@
             <a:pPr algn="l"/>
             <a:r>
               <a:rPr lang="x-none" altLang="en-US">
-                <a:latin typeface="Arial" panose="02080604020202020204" charset="0"/>
+                <a:latin typeface="Arial" charset="0"/>
                 <a:sym typeface="+mn-ea"/>
               </a:rPr>
               <a:t>Родионов Петр</a:t>
             </a:r>
             <a:endParaRPr lang="x-none" altLang="en-US">
-              <a:latin typeface="Arial" panose="02080604020202020204" charset="0"/>
+              <a:latin typeface="Arial" charset="0"/>
               <a:sym typeface="+mn-ea"/>
             </a:endParaRPr>
           </a:p>
@@ -3787,24 +3788,24 @@
             <a:pPr algn="ctr"/>
             <a:r>
               <a:rPr lang="x-none" sz="1400">
-                <a:latin typeface="Arial" panose="02080604020202020204" charset="0"/>
+                <a:latin typeface="Arial" charset="0"/>
               </a:rPr>
               <a:t>Дальневосточный федеральный университет</a:t>
             </a:r>
             <a:endParaRPr lang="x-none" sz="1400">
-              <a:latin typeface="Arial" panose="02080604020202020204" charset="0"/>
+              <a:latin typeface="Arial" charset="0"/>
             </a:endParaRPr>
           </a:p>
           <a:p>
             <a:pPr algn="ctr"/>
             <a:r>
               <a:rPr lang="x-none" sz="1400">
-                <a:latin typeface="Arial" panose="02080604020202020204" charset="0"/>
+                <a:latin typeface="Arial" charset="0"/>
               </a:rPr>
               <a:t>2017 г. </a:t>
             </a:r>
             <a:endParaRPr lang="x-none" sz="1400">
-              <a:latin typeface="Arial" panose="02080604020202020204" charset="0"/>
+              <a:latin typeface="Arial" charset="0"/>
             </a:endParaRPr>
           </a:p>
         </p:txBody>
@@ -3837,13 +3838,18 @@
             <p:ph type="title"/>
           </p:nvPr>
         </p:nvSpPr>
-        <p:spPr/>
+        <p:spPr>
+          <a:xfrm>
+            <a:off x="609600" y="-13017"/>
+            <a:ext cx="10972800" cy="1143000"/>
+          </a:xfrm>
+        </p:spPr>
         <p:txBody>
           <a:bodyPr/>
           <a:p>
             <a:r>
               <a:rPr lang="x-none" altLang="en-US"/>
-              <a:t>Технические особенности</a:t>
+              <a:t>Структура кода</a:t>
             </a:r>
             <a:endParaRPr lang="x-none" altLang="en-US"/>
           </a:p>
@@ -3851,56 +3857,1268 @@
       </p:sp>
       <p:sp>
         <p:nvSpPr>
-          <p:cNvPr id="3" name="Content Placeholder 2"/>
-          <p:cNvSpPr>
-            <a:spLocks noGrp="1"/>
-          </p:cNvSpPr>
-          <p:nvPr>
-            <p:ph idx="1"/>
-          </p:nvPr>
-        </p:nvSpPr>
-        <p:spPr/>
-        <p:txBody>
-          <a:bodyPr/>
-          <a:p>
-            <a:pPr algn="just"/>
-            <a:r>
-              <a:rPr lang="x-none" altLang="en-US" sz="2800"/>
-              <a:t>Адаптивный дизайн</a:t>
-            </a:r>
-            <a:endParaRPr lang="x-none" altLang="en-US" sz="2800"/>
-          </a:p>
-          <a:p>
-            <a:pPr algn="just"/>
-            <a:r>
-              <a:rPr lang="x-none" altLang="en-US" sz="2800"/>
-              <a:t>Фон не является объектом отрисовки canvas'а</a:t>
-            </a:r>
-            <a:endParaRPr lang="x-none" altLang="en-US" sz="2800"/>
-          </a:p>
-          <a:p>
-            <a:pPr algn="just"/>
-            <a:r>
-              <a:rPr lang="x-none" altLang="en-US" sz="2800"/>
-              <a:t>Разделение сущностей на несколько массивов по их классам</a:t>
-            </a:r>
-            <a:endParaRPr lang="x-none" altLang="en-US" sz="2800"/>
-          </a:p>
-          <a:p>
-            <a:pPr algn="just"/>
-            <a:r>
-              <a:rPr lang="x-none" altLang="en-US" sz="2800"/>
-              <a:t>Использование загруженных изображений не более одного раза</a:t>
-            </a:r>
-            <a:endParaRPr lang="x-none" altLang="en-US" sz="2800"/>
-          </a:p>
-          <a:p>
-            <a:pPr algn="just"/>
-            <a:r>
-              <a:rPr lang="x-none" altLang="en-US" sz="2800"/>
-              <a:t>Возможность генерации уровней в зависимости от функции</a:t>
-            </a:r>
-            <a:endParaRPr lang="x-none" altLang="en-US" sz="2800"/>
+          <p:cNvPr id="5" name="Rectangle 4"/>
+          <p:cNvSpPr/>
+          <p:nvPr/>
+        </p:nvSpPr>
+        <p:spPr>
+          <a:xfrm>
+            <a:off x="10114915" y="1314450"/>
+            <a:ext cx="1467485" cy="575945"/>
+          </a:xfrm>
+          <a:prstGeom prst="rect">
+            <a:avLst/>
+          </a:prstGeom>
+        </p:spPr>
+        <p:style>
+          <a:lnRef idx="2">
+            <a:schemeClr val="accent4"/>
+          </a:lnRef>
+          <a:fillRef idx="1">
+            <a:schemeClr val="lt1"/>
+          </a:fillRef>
+          <a:effectRef idx="0">
+            <a:schemeClr val="accent4"/>
+          </a:effectRef>
+          <a:fontRef idx="minor">
+            <a:schemeClr val="dk1"/>
+          </a:fontRef>
+        </p:style>
+        <p:txBody>
+          <a:bodyPr rtlCol="0" anchor="ctr"/>
+          <a:p>
+            <a:pPr algn="ctr"/>
+            <a:r>
+              <a:rPr lang="x-none" altLang="en-US" sz="2000"/>
+              <a:t>Game</a:t>
+            </a:r>
+            <a:endParaRPr lang="x-none" altLang="en-US" sz="2000"/>
+          </a:p>
+        </p:txBody>
+      </p:sp>
+      <p:sp>
+        <p:nvSpPr>
+          <p:cNvPr id="6" name="Rectangle 5"/>
+          <p:cNvSpPr/>
+          <p:nvPr/>
+        </p:nvSpPr>
+        <p:spPr>
+          <a:xfrm>
+            <a:off x="989330" y="1322070"/>
+            <a:ext cx="1467485" cy="575945"/>
+          </a:xfrm>
+          <a:prstGeom prst="rect">
+            <a:avLst/>
+          </a:prstGeom>
+        </p:spPr>
+        <p:style>
+          <a:lnRef idx="2">
+            <a:schemeClr val="accent4"/>
+          </a:lnRef>
+          <a:fillRef idx="1">
+            <a:schemeClr val="lt1"/>
+          </a:fillRef>
+          <a:effectRef idx="0">
+            <a:schemeClr val="accent4"/>
+          </a:effectRef>
+          <a:fontRef idx="minor">
+            <a:schemeClr val="dk1"/>
+          </a:fontRef>
+        </p:style>
+        <p:txBody>
+          <a:bodyPr rtlCol="0" anchor="ctr"/>
+          <a:p>
+            <a:pPr algn="ctr"/>
+            <a:r>
+              <a:rPr lang="x-none" altLang="en-US" sz="2000"/>
+              <a:t>Entity</a:t>
+            </a:r>
+            <a:endParaRPr lang="x-none" altLang="en-US" sz="2000"/>
+          </a:p>
+        </p:txBody>
+      </p:sp>
+      <p:sp>
+        <p:nvSpPr>
+          <p:cNvPr id="7" name="Rectangle 6"/>
+          <p:cNvSpPr/>
+          <p:nvPr/>
+        </p:nvSpPr>
+        <p:spPr>
+          <a:xfrm>
+            <a:off x="5051425" y="1322705"/>
+            <a:ext cx="1467485" cy="575945"/>
+          </a:xfrm>
+          <a:prstGeom prst="rect">
+            <a:avLst/>
+          </a:prstGeom>
+        </p:spPr>
+        <p:style>
+          <a:lnRef idx="2">
+            <a:schemeClr val="accent4"/>
+          </a:lnRef>
+          <a:fillRef idx="1">
+            <a:schemeClr val="lt1"/>
+          </a:fillRef>
+          <a:effectRef idx="0">
+            <a:schemeClr val="accent4"/>
+          </a:effectRef>
+          <a:fontRef idx="minor">
+            <a:schemeClr val="dk1"/>
+          </a:fontRef>
+        </p:style>
+        <p:txBody>
+          <a:bodyPr rtlCol="0" anchor="ctr"/>
+          <a:p>
+            <a:pPr algn="ctr"/>
+            <a:r>
+              <a:rPr lang="x-none" altLang="en-US" sz="2000"/>
+              <a:t>Player</a:t>
+            </a:r>
+            <a:endParaRPr lang="x-none" altLang="en-US" sz="2000"/>
+          </a:p>
+        </p:txBody>
+      </p:sp>
+      <p:sp>
+        <p:nvSpPr>
+          <p:cNvPr id="8" name="Rectangle 7"/>
+          <p:cNvSpPr/>
+          <p:nvPr/>
+        </p:nvSpPr>
+        <p:spPr>
+          <a:xfrm>
+            <a:off x="4317365" y="2213610"/>
+            <a:ext cx="1467485" cy="575945"/>
+          </a:xfrm>
+          <a:prstGeom prst="rect">
+            <a:avLst/>
+          </a:prstGeom>
+        </p:spPr>
+        <p:style>
+          <a:lnRef idx="2">
+            <a:schemeClr val="accent4"/>
+          </a:lnRef>
+          <a:fillRef idx="1">
+            <a:schemeClr val="lt1"/>
+          </a:fillRef>
+          <a:effectRef idx="0">
+            <a:schemeClr val="accent4"/>
+          </a:effectRef>
+          <a:fontRef idx="minor">
+            <a:schemeClr val="dk1"/>
+          </a:fontRef>
+        </p:style>
+        <p:txBody>
+          <a:bodyPr rtlCol="0" anchor="ctr"/>
+          <a:p>
+            <a:pPr algn="ctr"/>
+            <a:r>
+              <a:rPr lang="x-none" altLang="en-US" sz="2000"/>
+              <a:t>Enemy</a:t>
+            </a:r>
+            <a:endParaRPr lang="x-none" altLang="en-US" sz="2000"/>
+          </a:p>
+        </p:txBody>
+      </p:sp>
+      <p:sp>
+        <p:nvSpPr>
+          <p:cNvPr id="9" name="Rectangle 8"/>
+          <p:cNvSpPr/>
+          <p:nvPr/>
+        </p:nvSpPr>
+        <p:spPr>
+          <a:xfrm>
+            <a:off x="2665730" y="2212975"/>
+            <a:ext cx="1467485" cy="575945"/>
+          </a:xfrm>
+          <a:prstGeom prst="rect">
+            <a:avLst/>
+          </a:prstGeom>
+        </p:spPr>
+        <p:style>
+          <a:lnRef idx="2">
+            <a:schemeClr val="accent4"/>
+          </a:lnRef>
+          <a:fillRef idx="1">
+            <a:schemeClr val="lt1"/>
+          </a:fillRef>
+          <a:effectRef idx="0">
+            <a:schemeClr val="accent4"/>
+          </a:effectRef>
+          <a:fontRef idx="minor">
+            <a:schemeClr val="dk1"/>
+          </a:fontRef>
+        </p:style>
+        <p:txBody>
+          <a:bodyPr rtlCol="0" anchor="ctr"/>
+          <a:p>
+            <a:pPr algn="ctr"/>
+            <a:r>
+              <a:rPr lang="x-none" altLang="en-US" sz="2000"/>
+              <a:t>Bullet</a:t>
+            </a:r>
+            <a:endParaRPr lang="x-none" altLang="en-US" sz="2000"/>
+          </a:p>
+        </p:txBody>
+      </p:sp>
+      <p:sp>
+        <p:nvSpPr>
+          <p:cNvPr id="10" name="Rectangle 9"/>
+          <p:cNvSpPr/>
+          <p:nvPr/>
+        </p:nvSpPr>
+        <p:spPr>
+          <a:xfrm>
+            <a:off x="989330" y="2212975"/>
+            <a:ext cx="1467485" cy="575945"/>
+          </a:xfrm>
+          <a:prstGeom prst="rect">
+            <a:avLst/>
+          </a:prstGeom>
+        </p:spPr>
+        <p:style>
+          <a:lnRef idx="2">
+            <a:schemeClr val="accent4"/>
+          </a:lnRef>
+          <a:fillRef idx="1">
+            <a:schemeClr val="lt1"/>
+          </a:fillRef>
+          <a:effectRef idx="0">
+            <a:schemeClr val="accent4"/>
+          </a:effectRef>
+          <a:fontRef idx="minor">
+            <a:schemeClr val="dk1"/>
+          </a:fontRef>
+        </p:style>
+        <p:txBody>
+          <a:bodyPr rtlCol="0" anchor="ctr"/>
+          <a:p>
+            <a:pPr algn="ctr"/>
+            <a:r>
+              <a:rPr lang="x-none" altLang="en-US" sz="2000"/>
+              <a:t>Bonus</a:t>
+            </a:r>
+            <a:endParaRPr lang="x-none" altLang="en-US" sz="2000"/>
+          </a:p>
+        </p:txBody>
+      </p:sp>
+      <p:cxnSp>
+        <p:nvCxnSpPr>
+          <p:cNvPr id="11" name="Straight Arrow Connector 10"/>
+          <p:cNvCxnSpPr>
+            <a:stCxn id="7" idx="1"/>
+            <a:endCxn id="6" idx="3"/>
+          </p:cNvCxnSpPr>
+          <p:nvPr/>
+        </p:nvCxnSpPr>
+        <p:spPr>
+          <a:xfrm flipH="1" flipV="1">
+            <a:off x="2456815" y="1610360"/>
+            <a:ext cx="2594610" cy="635"/>
+          </a:xfrm>
+          <a:prstGeom prst="straightConnector1">
+            <a:avLst/>
+          </a:prstGeom>
+          <a:ln>
+            <a:tailEnd type="arrow" w="med" len="med"/>
+          </a:ln>
+        </p:spPr>
+        <p:style>
+          <a:lnRef idx="1">
+            <a:schemeClr val="accent4"/>
+          </a:lnRef>
+          <a:fillRef idx="0">
+            <a:schemeClr val="accent4"/>
+          </a:fillRef>
+          <a:effectRef idx="0">
+            <a:schemeClr val="accent4"/>
+          </a:effectRef>
+          <a:fontRef idx="minor">
+            <a:schemeClr val="tx1"/>
+          </a:fontRef>
+        </p:style>
+      </p:cxnSp>
+      <p:cxnSp>
+        <p:nvCxnSpPr>
+          <p:cNvPr id="12" name="Straight Arrow Connector 11"/>
+          <p:cNvCxnSpPr>
+            <a:stCxn id="10" idx="0"/>
+            <a:endCxn id="6" idx="2"/>
+          </p:cNvCxnSpPr>
+          <p:nvPr/>
+        </p:nvCxnSpPr>
+        <p:spPr>
+          <a:xfrm flipV="1">
+            <a:off x="1715135" y="1898015"/>
+            <a:ext cx="0" cy="314960"/>
+          </a:xfrm>
+          <a:prstGeom prst="straightConnector1">
+            <a:avLst/>
+          </a:prstGeom>
+          <a:ln>
+            <a:tailEnd type="arrow" w="med" len="med"/>
+          </a:ln>
+        </p:spPr>
+        <p:style>
+          <a:lnRef idx="1">
+            <a:schemeClr val="accent4"/>
+          </a:lnRef>
+          <a:fillRef idx="0">
+            <a:schemeClr val="accent4"/>
+          </a:fillRef>
+          <a:effectRef idx="0">
+            <a:schemeClr val="accent4"/>
+          </a:effectRef>
+          <a:fontRef idx="minor">
+            <a:schemeClr val="tx1"/>
+          </a:fontRef>
+        </p:style>
+      </p:cxnSp>
+      <p:cxnSp>
+        <p:nvCxnSpPr>
+          <p:cNvPr id="13" name="Straight Arrow Connector 12"/>
+          <p:cNvCxnSpPr>
+            <a:stCxn id="9" idx="0"/>
+          </p:cNvCxnSpPr>
+          <p:nvPr/>
+        </p:nvCxnSpPr>
+        <p:spPr>
+          <a:xfrm flipH="1" flipV="1">
+            <a:off x="2448560" y="1898015"/>
+            <a:ext cx="942975" cy="314960"/>
+          </a:xfrm>
+          <a:prstGeom prst="straightConnector1">
+            <a:avLst/>
+          </a:prstGeom>
+          <a:ln>
+            <a:tailEnd type="arrow" w="med" len="med"/>
+          </a:ln>
+        </p:spPr>
+        <p:style>
+          <a:lnRef idx="1">
+            <a:schemeClr val="accent4"/>
+          </a:lnRef>
+          <a:fillRef idx="0">
+            <a:schemeClr val="accent4"/>
+          </a:fillRef>
+          <a:effectRef idx="0">
+            <a:schemeClr val="accent4"/>
+          </a:effectRef>
+          <a:fontRef idx="minor">
+            <a:schemeClr val="tx1"/>
+          </a:fontRef>
+        </p:style>
+      </p:cxnSp>
+      <p:cxnSp>
+        <p:nvCxnSpPr>
+          <p:cNvPr id="14" name="Straight Arrow Connector 13"/>
+          <p:cNvCxnSpPr/>
+          <p:nvPr/>
+        </p:nvCxnSpPr>
+        <p:spPr>
+          <a:xfrm flipH="1" flipV="1">
+            <a:off x="2456815" y="1759585"/>
+            <a:ext cx="1860550" cy="453390"/>
+          </a:xfrm>
+          <a:prstGeom prst="straightConnector1">
+            <a:avLst/>
+          </a:prstGeom>
+          <a:ln>
+            <a:tailEnd type="arrow" w="med" len="med"/>
+          </a:ln>
+        </p:spPr>
+        <p:style>
+          <a:lnRef idx="1">
+            <a:schemeClr val="accent4"/>
+          </a:lnRef>
+          <a:fillRef idx="0">
+            <a:schemeClr val="accent4"/>
+          </a:fillRef>
+          <a:effectRef idx="0">
+            <a:schemeClr val="accent4"/>
+          </a:effectRef>
+          <a:fontRef idx="minor">
+            <a:schemeClr val="tx1"/>
+          </a:fontRef>
+        </p:style>
+      </p:cxnSp>
+      <p:sp>
+        <p:nvSpPr>
+          <p:cNvPr id="15" name="Rectangle 14"/>
+          <p:cNvSpPr/>
+          <p:nvPr/>
+        </p:nvSpPr>
+        <p:spPr>
+          <a:xfrm>
+            <a:off x="5170170" y="3683000"/>
+            <a:ext cx="1467485" cy="575945"/>
+          </a:xfrm>
+          <a:prstGeom prst="rect">
+            <a:avLst/>
+          </a:prstGeom>
+        </p:spPr>
+        <p:style>
+          <a:lnRef idx="2">
+            <a:schemeClr val="accent4"/>
+          </a:lnRef>
+          <a:fillRef idx="1">
+            <a:schemeClr val="lt1"/>
+          </a:fillRef>
+          <a:effectRef idx="0">
+            <a:schemeClr val="accent4"/>
+          </a:effectRef>
+          <a:fontRef idx="minor">
+            <a:schemeClr val="dk1"/>
+          </a:fontRef>
+        </p:style>
+        <p:txBody>
+          <a:bodyPr rtlCol="0" anchor="ctr"/>
+          <a:p>
+            <a:pPr algn="ctr"/>
+            <a:r>
+              <a:rPr lang="x-none" altLang="en-US" sz="2000"/>
+              <a:t>DefaultE</a:t>
+            </a:r>
+            <a:endParaRPr lang="x-none" altLang="en-US" sz="2000"/>
+          </a:p>
+        </p:txBody>
+      </p:sp>
+      <p:sp>
+        <p:nvSpPr>
+          <p:cNvPr id="16" name="Rectangle 15"/>
+          <p:cNvSpPr/>
+          <p:nvPr/>
+        </p:nvSpPr>
+        <p:spPr>
+          <a:xfrm>
+            <a:off x="2850515" y="3692525"/>
+            <a:ext cx="1907540" cy="575945"/>
+          </a:xfrm>
+          <a:prstGeom prst="rect">
+            <a:avLst/>
+          </a:prstGeom>
+        </p:spPr>
+        <p:style>
+          <a:lnRef idx="2">
+            <a:schemeClr val="accent4"/>
+          </a:lnRef>
+          <a:fillRef idx="1">
+            <a:schemeClr val="lt1"/>
+          </a:fillRef>
+          <a:effectRef idx="0">
+            <a:schemeClr val="accent4"/>
+          </a:effectRef>
+          <a:fontRef idx="minor">
+            <a:schemeClr val="dk1"/>
+          </a:fontRef>
+        </p:style>
+        <p:txBody>
+          <a:bodyPr rtlCol="0" anchor="ctr"/>
+          <a:p>
+            <a:pPr algn="ctr"/>
+            <a:r>
+              <a:rPr lang="x-none" altLang="en-US" sz="2000"/>
+              <a:t>EnemyB</a:t>
+            </a:r>
+            <a:endParaRPr lang="x-none" altLang="en-US" sz="2000"/>
+          </a:p>
+        </p:txBody>
+      </p:sp>
+      <p:sp>
+        <p:nvSpPr>
+          <p:cNvPr id="17" name="Rectangle 16"/>
+          <p:cNvSpPr/>
+          <p:nvPr/>
+        </p:nvSpPr>
+        <p:spPr>
+          <a:xfrm>
+            <a:off x="5170170" y="4258945"/>
+            <a:ext cx="1467485" cy="575945"/>
+          </a:xfrm>
+          <a:prstGeom prst="rect">
+            <a:avLst/>
+          </a:prstGeom>
+        </p:spPr>
+        <p:style>
+          <a:lnRef idx="2">
+            <a:schemeClr val="accent4"/>
+          </a:lnRef>
+          <a:fillRef idx="1">
+            <a:schemeClr val="lt1"/>
+          </a:fillRef>
+          <a:effectRef idx="0">
+            <a:schemeClr val="accent4"/>
+          </a:effectRef>
+          <a:fontRef idx="minor">
+            <a:schemeClr val="dk1"/>
+          </a:fontRef>
+        </p:style>
+        <p:txBody>
+          <a:bodyPr rtlCol="0" anchor="ctr"/>
+          <a:p>
+            <a:pPr algn="ctr"/>
+            <a:r>
+              <a:rPr lang="x-none" altLang="en-US" sz="2000"/>
+              <a:t>SniperE</a:t>
+            </a:r>
+            <a:endParaRPr lang="x-none" altLang="en-US" sz="2000"/>
+          </a:p>
+        </p:txBody>
+      </p:sp>
+      <p:cxnSp>
+        <p:nvCxnSpPr>
+          <p:cNvPr id="18" name="Straight Arrow Connector 17"/>
+          <p:cNvCxnSpPr>
+            <a:stCxn id="15" idx="0"/>
+          </p:cNvCxnSpPr>
+          <p:nvPr/>
+        </p:nvCxnSpPr>
+        <p:spPr>
+          <a:xfrm flipH="1" flipV="1">
+            <a:off x="5050790" y="2788920"/>
+            <a:ext cx="853440" cy="894080"/>
+          </a:xfrm>
+          <a:prstGeom prst="straightConnector1">
+            <a:avLst/>
+          </a:prstGeom>
+          <a:ln>
+            <a:tailEnd type="arrow" w="med" len="med"/>
+          </a:ln>
+        </p:spPr>
+        <p:style>
+          <a:lnRef idx="1">
+            <a:schemeClr val="accent4"/>
+          </a:lnRef>
+          <a:fillRef idx="0">
+            <a:schemeClr val="accent4"/>
+          </a:fillRef>
+          <a:effectRef idx="0">
+            <a:schemeClr val="accent4"/>
+          </a:effectRef>
+          <a:fontRef idx="minor">
+            <a:schemeClr val="tx1"/>
+          </a:fontRef>
+        </p:style>
+      </p:cxnSp>
+      <p:sp>
+        <p:nvSpPr>
+          <p:cNvPr id="20" name="Rectangle 19"/>
+          <p:cNvSpPr/>
+          <p:nvPr/>
+        </p:nvSpPr>
+        <p:spPr>
+          <a:xfrm>
+            <a:off x="2850515" y="4269740"/>
+            <a:ext cx="1912620" cy="575945"/>
+          </a:xfrm>
+          <a:prstGeom prst="rect">
+            <a:avLst/>
+          </a:prstGeom>
+        </p:spPr>
+        <p:style>
+          <a:lnRef idx="2">
+            <a:schemeClr val="accent4"/>
+          </a:lnRef>
+          <a:fillRef idx="1">
+            <a:schemeClr val="lt1"/>
+          </a:fillRef>
+          <a:effectRef idx="0">
+            <a:schemeClr val="accent4"/>
+          </a:effectRef>
+          <a:fontRef idx="minor">
+            <a:schemeClr val="dk1"/>
+          </a:fontRef>
+        </p:style>
+        <p:txBody>
+          <a:bodyPr rtlCol="0" anchor="ctr"/>
+          <a:p>
+            <a:pPr algn="ctr"/>
+            <a:r>
+              <a:rPr lang="x-none" altLang="en-US" sz="2000"/>
+              <a:t>RifleB</a:t>
+            </a:r>
+            <a:endParaRPr lang="x-none" altLang="en-US" sz="2000"/>
+          </a:p>
+        </p:txBody>
+      </p:sp>
+      <p:sp>
+        <p:nvSpPr>
+          <p:cNvPr id="21" name="Rectangle 20"/>
+          <p:cNvSpPr/>
+          <p:nvPr/>
+        </p:nvSpPr>
+        <p:spPr>
+          <a:xfrm>
+            <a:off x="2847340" y="4844415"/>
+            <a:ext cx="1915160" cy="575945"/>
+          </a:xfrm>
+          <a:prstGeom prst="rect">
+            <a:avLst/>
+          </a:prstGeom>
+        </p:spPr>
+        <p:style>
+          <a:lnRef idx="2">
+            <a:schemeClr val="accent4"/>
+          </a:lnRef>
+          <a:fillRef idx="1">
+            <a:schemeClr val="lt1"/>
+          </a:fillRef>
+          <a:effectRef idx="0">
+            <a:schemeClr val="accent4"/>
+          </a:effectRef>
+          <a:fontRef idx="minor">
+            <a:schemeClr val="dk1"/>
+          </a:fontRef>
+        </p:style>
+        <p:txBody>
+          <a:bodyPr rtlCol="0" anchor="ctr"/>
+          <a:p>
+            <a:pPr algn="ctr"/>
+            <a:r>
+              <a:rPr lang="x-none" altLang="en-US" sz="2000"/>
+              <a:t>MachinegunB</a:t>
+            </a:r>
+            <a:endParaRPr lang="x-none" altLang="en-US" sz="2000"/>
+          </a:p>
+        </p:txBody>
+      </p:sp>
+      <p:sp>
+        <p:nvSpPr>
+          <p:cNvPr id="22" name="Rectangle 21"/>
+          <p:cNvSpPr/>
+          <p:nvPr/>
+        </p:nvSpPr>
+        <p:spPr>
+          <a:xfrm>
+            <a:off x="2844165" y="5423535"/>
+            <a:ext cx="1919605" cy="575945"/>
+          </a:xfrm>
+          <a:prstGeom prst="rect">
+            <a:avLst/>
+          </a:prstGeom>
+        </p:spPr>
+        <p:style>
+          <a:lnRef idx="2">
+            <a:schemeClr val="accent4"/>
+          </a:lnRef>
+          <a:fillRef idx="1">
+            <a:schemeClr val="lt1"/>
+          </a:fillRef>
+          <a:effectRef idx="0">
+            <a:schemeClr val="accent4"/>
+          </a:effectRef>
+          <a:fontRef idx="minor">
+            <a:schemeClr val="dk1"/>
+          </a:fontRef>
+        </p:style>
+        <p:txBody>
+          <a:bodyPr rtlCol="0" anchor="ctr"/>
+          <a:p>
+            <a:pPr algn="ctr"/>
+            <a:r>
+              <a:rPr lang="x-none" altLang="en-US" sz="2000"/>
+              <a:t>ShotgunB</a:t>
+            </a:r>
+            <a:endParaRPr lang="x-none" altLang="en-US" sz="2000"/>
+          </a:p>
+        </p:txBody>
+      </p:sp>
+      <p:cxnSp>
+        <p:nvCxnSpPr>
+          <p:cNvPr id="23" name="Straight Arrow Connector 22"/>
+          <p:cNvCxnSpPr>
+            <a:stCxn id="16" idx="0"/>
+            <a:endCxn id="9" idx="2"/>
+          </p:cNvCxnSpPr>
+          <p:nvPr/>
+        </p:nvCxnSpPr>
+        <p:spPr>
+          <a:xfrm flipH="1" flipV="1">
+            <a:off x="3399790" y="2788920"/>
+            <a:ext cx="404495" cy="903605"/>
+          </a:xfrm>
+          <a:prstGeom prst="straightConnector1">
+            <a:avLst/>
+          </a:prstGeom>
+          <a:ln>
+            <a:tailEnd type="arrow" w="med" len="med"/>
+          </a:ln>
+        </p:spPr>
+        <p:style>
+          <a:lnRef idx="1">
+            <a:schemeClr val="accent4"/>
+          </a:lnRef>
+          <a:fillRef idx="0">
+            <a:schemeClr val="accent4"/>
+          </a:fillRef>
+          <a:effectRef idx="0">
+            <a:schemeClr val="accent4"/>
+          </a:effectRef>
+          <a:fontRef idx="minor">
+            <a:schemeClr val="tx1"/>
+          </a:fontRef>
+        </p:style>
+      </p:cxnSp>
+      <p:sp>
+        <p:nvSpPr>
+          <p:cNvPr id="25" name="Rectangle 24"/>
+          <p:cNvSpPr/>
+          <p:nvPr/>
+        </p:nvSpPr>
+        <p:spPr>
+          <a:xfrm>
+            <a:off x="617220" y="4269740"/>
+            <a:ext cx="1912620" cy="575945"/>
+          </a:xfrm>
+          <a:prstGeom prst="rect">
+            <a:avLst/>
+          </a:prstGeom>
+        </p:spPr>
+        <p:style>
+          <a:lnRef idx="2">
+            <a:schemeClr val="accent4"/>
+          </a:lnRef>
+          <a:fillRef idx="1">
+            <a:schemeClr val="lt1"/>
+          </a:fillRef>
+          <a:effectRef idx="0">
+            <a:schemeClr val="accent4"/>
+          </a:effectRef>
+          <a:fontRef idx="minor">
+            <a:schemeClr val="dk1"/>
+          </a:fontRef>
+        </p:style>
+        <p:txBody>
+          <a:bodyPr rtlCol="0" anchor="ctr"/>
+          <a:p>
+            <a:pPr algn="ctr"/>
+            <a:r>
+              <a:rPr lang="x-none" altLang="en-US" sz="2000"/>
+              <a:t>RifleB</a:t>
+            </a:r>
+            <a:endParaRPr lang="x-none" altLang="en-US" sz="2000"/>
+          </a:p>
+        </p:txBody>
+      </p:sp>
+      <p:sp>
+        <p:nvSpPr>
+          <p:cNvPr id="26" name="Rectangle 25"/>
+          <p:cNvSpPr/>
+          <p:nvPr/>
+        </p:nvSpPr>
+        <p:spPr>
+          <a:xfrm>
+            <a:off x="614045" y="4844415"/>
+            <a:ext cx="1915160" cy="575945"/>
+          </a:xfrm>
+          <a:prstGeom prst="rect">
+            <a:avLst/>
+          </a:prstGeom>
+        </p:spPr>
+        <p:style>
+          <a:lnRef idx="2">
+            <a:schemeClr val="accent4"/>
+          </a:lnRef>
+          <a:fillRef idx="1">
+            <a:schemeClr val="lt1"/>
+          </a:fillRef>
+          <a:effectRef idx="0">
+            <a:schemeClr val="accent4"/>
+          </a:effectRef>
+          <a:fontRef idx="minor">
+            <a:schemeClr val="dk1"/>
+          </a:fontRef>
+        </p:style>
+        <p:txBody>
+          <a:bodyPr rtlCol="0" anchor="ctr"/>
+          <a:p>
+            <a:pPr algn="ctr"/>
+            <a:r>
+              <a:rPr lang="x-none" altLang="en-US" sz="2000"/>
+              <a:t>MachinegunB</a:t>
+            </a:r>
+            <a:endParaRPr lang="x-none" altLang="en-US" sz="2000"/>
+          </a:p>
+        </p:txBody>
+      </p:sp>
+      <p:sp>
+        <p:nvSpPr>
+          <p:cNvPr id="27" name="Rectangle 26"/>
+          <p:cNvSpPr/>
+          <p:nvPr/>
+        </p:nvSpPr>
+        <p:spPr>
+          <a:xfrm>
+            <a:off x="609600" y="5420360"/>
+            <a:ext cx="1919605" cy="575945"/>
+          </a:xfrm>
+          <a:prstGeom prst="rect">
+            <a:avLst/>
+          </a:prstGeom>
+        </p:spPr>
+        <p:style>
+          <a:lnRef idx="2">
+            <a:schemeClr val="accent4"/>
+          </a:lnRef>
+          <a:fillRef idx="1">
+            <a:schemeClr val="lt1"/>
+          </a:fillRef>
+          <a:effectRef idx="0">
+            <a:schemeClr val="accent4"/>
+          </a:effectRef>
+          <a:fontRef idx="minor">
+            <a:schemeClr val="dk1"/>
+          </a:fontRef>
+        </p:style>
+        <p:txBody>
+          <a:bodyPr rtlCol="0" anchor="ctr"/>
+          <a:p>
+            <a:pPr algn="ctr"/>
+            <a:r>
+              <a:rPr lang="x-none" altLang="en-US" sz="2000"/>
+              <a:t>ShotgunB</a:t>
+            </a:r>
+            <a:endParaRPr lang="x-none" altLang="en-US" sz="2000"/>
+          </a:p>
+        </p:txBody>
+      </p:sp>
+      <p:cxnSp>
+        <p:nvCxnSpPr>
+          <p:cNvPr id="28" name="Straight Arrow Connector 27"/>
+          <p:cNvCxnSpPr>
+            <a:stCxn id="25" idx="0"/>
+            <a:endCxn id="10" idx="2"/>
+          </p:cNvCxnSpPr>
+          <p:nvPr/>
+        </p:nvCxnSpPr>
+        <p:spPr>
+          <a:xfrm flipV="1">
+            <a:off x="1573530" y="2788920"/>
+            <a:ext cx="149860" cy="1480820"/>
+          </a:xfrm>
+          <a:prstGeom prst="straightConnector1">
+            <a:avLst/>
+          </a:prstGeom>
+          <a:ln>
+            <a:tailEnd type="arrow" w="med" len="med"/>
+          </a:ln>
+        </p:spPr>
+        <p:style>
+          <a:lnRef idx="1">
+            <a:schemeClr val="accent4"/>
+          </a:lnRef>
+          <a:fillRef idx="0">
+            <a:schemeClr val="accent4"/>
+          </a:fillRef>
+          <a:effectRef idx="0">
+            <a:schemeClr val="accent4"/>
+          </a:effectRef>
+          <a:fontRef idx="minor">
+            <a:schemeClr val="tx1"/>
+          </a:fontRef>
+        </p:style>
+      </p:cxnSp>
+      <p:sp>
+        <p:nvSpPr>
+          <p:cNvPr id="30" name="Rectangle 29"/>
+          <p:cNvSpPr/>
+          <p:nvPr/>
+        </p:nvSpPr>
+        <p:spPr>
+          <a:xfrm>
+            <a:off x="7569835" y="1314450"/>
+            <a:ext cx="1467485" cy="575945"/>
+          </a:xfrm>
+          <a:prstGeom prst="rect">
+            <a:avLst/>
+          </a:prstGeom>
+        </p:spPr>
+        <p:style>
+          <a:lnRef idx="2">
+            <a:schemeClr val="accent4"/>
+          </a:lnRef>
+          <a:fillRef idx="1">
+            <a:schemeClr val="lt1"/>
+          </a:fillRef>
+          <a:effectRef idx="0">
+            <a:schemeClr val="accent4"/>
+          </a:effectRef>
+          <a:fontRef idx="minor">
+            <a:schemeClr val="dk1"/>
+          </a:fontRef>
+        </p:style>
+        <p:txBody>
+          <a:bodyPr rtlCol="0" anchor="ctr"/>
+          <a:p>
+            <a:pPr algn="ctr"/>
+            <a:r>
+              <a:rPr lang="x-none" altLang="en-US" sz="2000"/>
+              <a:t>Weapon</a:t>
+            </a:r>
+            <a:endParaRPr lang="x-none" altLang="en-US" sz="2000"/>
+          </a:p>
+        </p:txBody>
+      </p:sp>
+      <p:sp>
+        <p:nvSpPr>
+          <p:cNvPr id="31" name="Rectangle 30"/>
+          <p:cNvSpPr/>
+          <p:nvPr/>
+        </p:nvSpPr>
+        <p:spPr>
+          <a:xfrm>
+            <a:off x="7421245" y="2275840"/>
+            <a:ext cx="1752600" cy="575945"/>
+          </a:xfrm>
+          <a:prstGeom prst="rect">
+            <a:avLst/>
+          </a:prstGeom>
+        </p:spPr>
+        <p:style>
+          <a:lnRef idx="2">
+            <a:schemeClr val="accent4"/>
+          </a:lnRef>
+          <a:fillRef idx="1">
+            <a:schemeClr val="lt1"/>
+          </a:fillRef>
+          <a:effectRef idx="0">
+            <a:schemeClr val="accent4"/>
+          </a:effectRef>
+          <a:fontRef idx="minor">
+            <a:schemeClr val="dk1"/>
+          </a:fontRef>
+        </p:style>
+        <p:txBody>
+          <a:bodyPr rtlCol="0" anchor="ctr"/>
+          <a:p>
+            <a:pPr algn="ctr"/>
+            <a:r>
+              <a:rPr lang="x-none" altLang="en-US" sz="2000"/>
+              <a:t>Rifle</a:t>
+            </a:r>
+            <a:endParaRPr lang="x-none" altLang="en-US" sz="2000"/>
+          </a:p>
+        </p:txBody>
+      </p:sp>
+      <p:sp>
+        <p:nvSpPr>
+          <p:cNvPr id="32" name="Rectangle 31"/>
+          <p:cNvSpPr/>
+          <p:nvPr/>
+        </p:nvSpPr>
+        <p:spPr>
+          <a:xfrm>
+            <a:off x="7421245" y="3427730"/>
+            <a:ext cx="1752600" cy="575945"/>
+          </a:xfrm>
+          <a:prstGeom prst="rect">
+            <a:avLst/>
+          </a:prstGeom>
+        </p:spPr>
+        <p:style>
+          <a:lnRef idx="2">
+            <a:schemeClr val="accent4"/>
+          </a:lnRef>
+          <a:fillRef idx="1">
+            <a:schemeClr val="lt1"/>
+          </a:fillRef>
+          <a:effectRef idx="0">
+            <a:schemeClr val="accent4"/>
+          </a:effectRef>
+          <a:fontRef idx="minor">
+            <a:schemeClr val="dk1"/>
+          </a:fontRef>
+        </p:style>
+        <p:txBody>
+          <a:bodyPr rtlCol="0" anchor="ctr"/>
+          <a:p>
+            <a:pPr algn="ctr"/>
+            <a:r>
+              <a:rPr lang="x-none" altLang="en-US" sz="2000"/>
+              <a:t>Shotgun</a:t>
+            </a:r>
+            <a:endParaRPr lang="x-none" altLang="en-US" sz="2000"/>
+          </a:p>
+        </p:txBody>
+      </p:sp>
+      <p:sp>
+        <p:nvSpPr>
+          <p:cNvPr id="33" name="Rectangle 32"/>
+          <p:cNvSpPr/>
+          <p:nvPr/>
+        </p:nvSpPr>
+        <p:spPr>
+          <a:xfrm>
+            <a:off x="7421245" y="2851785"/>
+            <a:ext cx="1752600" cy="575945"/>
+          </a:xfrm>
+          <a:prstGeom prst="rect">
+            <a:avLst/>
+          </a:prstGeom>
+        </p:spPr>
+        <p:style>
+          <a:lnRef idx="2">
+            <a:schemeClr val="accent4"/>
+          </a:lnRef>
+          <a:fillRef idx="1">
+            <a:schemeClr val="lt1"/>
+          </a:fillRef>
+          <a:effectRef idx="0">
+            <a:schemeClr val="accent4"/>
+          </a:effectRef>
+          <a:fontRef idx="minor">
+            <a:schemeClr val="dk1"/>
+          </a:fontRef>
+        </p:style>
+        <p:txBody>
+          <a:bodyPr rtlCol="0" anchor="ctr"/>
+          <a:p>
+            <a:pPr algn="ctr"/>
+            <a:r>
+              <a:rPr lang="x-none" altLang="en-US" sz="2000"/>
+              <a:t>Machinegun</a:t>
+            </a:r>
+            <a:endParaRPr lang="x-none" altLang="en-US" sz="2000"/>
+          </a:p>
+        </p:txBody>
+      </p:sp>
+      <p:cxnSp>
+        <p:nvCxnSpPr>
+          <p:cNvPr id="34" name="Straight Arrow Connector 33"/>
+          <p:cNvCxnSpPr>
+            <a:stCxn id="31" idx="0"/>
+            <a:endCxn id="30" idx="2"/>
+          </p:cNvCxnSpPr>
+          <p:nvPr/>
+        </p:nvCxnSpPr>
+        <p:spPr>
+          <a:xfrm flipV="1">
+            <a:off x="8297545" y="1890395"/>
+            <a:ext cx="6350" cy="385445"/>
+          </a:xfrm>
+          <a:prstGeom prst="straightConnector1">
+            <a:avLst/>
+          </a:prstGeom>
+          <a:ln>
+            <a:tailEnd type="arrow" w="med" len="med"/>
+          </a:ln>
+        </p:spPr>
+        <p:style>
+          <a:lnRef idx="1">
+            <a:schemeClr val="accent4"/>
+          </a:lnRef>
+          <a:fillRef idx="0">
+            <a:schemeClr val="accent4"/>
+          </a:fillRef>
+          <a:effectRef idx="0">
+            <a:schemeClr val="accent4"/>
+          </a:effectRef>
+          <a:fontRef idx="minor">
+            <a:schemeClr val="tx1"/>
+          </a:fontRef>
+        </p:style>
+      </p:cxnSp>
+      <p:sp>
+        <p:nvSpPr>
+          <p:cNvPr id="36" name="Rectangle 35"/>
+          <p:cNvSpPr/>
+          <p:nvPr/>
+        </p:nvSpPr>
+        <p:spPr>
+          <a:xfrm>
+            <a:off x="10115550" y="5337175"/>
+            <a:ext cx="1467485" cy="659130"/>
+          </a:xfrm>
+          <a:prstGeom prst="rect">
+            <a:avLst/>
+          </a:prstGeom>
+        </p:spPr>
+        <p:style>
+          <a:lnRef idx="2">
+            <a:schemeClr val="accent4"/>
+          </a:lnRef>
+          <a:fillRef idx="1">
+            <a:schemeClr val="lt1"/>
+          </a:fillRef>
+          <a:effectRef idx="0">
+            <a:schemeClr val="accent4"/>
+          </a:effectRef>
+          <a:fontRef idx="minor">
+            <a:schemeClr val="dk1"/>
+          </a:fontRef>
+        </p:style>
+        <p:txBody>
+          <a:bodyPr rtlCol="0" anchor="ctr"/>
+          <a:p>
+            <a:pPr algn="ctr"/>
+            <a:r>
+              <a:rPr lang="x-none" altLang="en-US" sz="2000"/>
+              <a:t>Geometry</a:t>
+            </a:r>
+            <a:endParaRPr lang="x-none" altLang="en-US" sz="2000"/>
+          </a:p>
+        </p:txBody>
+      </p:sp>
+      <p:sp>
+        <p:nvSpPr>
+          <p:cNvPr id="37" name="Rectangle 36"/>
+          <p:cNvSpPr/>
+          <p:nvPr/>
+        </p:nvSpPr>
+        <p:spPr>
+          <a:xfrm>
+            <a:off x="7179945" y="5337175"/>
+            <a:ext cx="1467485" cy="659130"/>
+          </a:xfrm>
+          <a:prstGeom prst="rect">
+            <a:avLst/>
+          </a:prstGeom>
+        </p:spPr>
+        <p:style>
+          <a:lnRef idx="2">
+            <a:schemeClr val="accent4"/>
+          </a:lnRef>
+          <a:fillRef idx="1">
+            <a:schemeClr val="lt1"/>
+          </a:fillRef>
+          <a:effectRef idx="0">
+            <a:schemeClr val="accent4"/>
+          </a:effectRef>
+          <a:fontRef idx="minor">
+            <a:schemeClr val="dk1"/>
+          </a:fontRef>
+        </p:style>
+        <p:txBody>
+          <a:bodyPr rtlCol="0" anchor="ctr"/>
+          <a:p>
+            <a:pPr algn="ctr"/>
+            <a:r>
+              <a:rPr lang="x-none" altLang="en-US" sz="2000"/>
+              <a:t>Music</a:t>
+            </a:r>
+            <a:endParaRPr lang="x-none" altLang="en-US" sz="2000"/>
+          </a:p>
+        </p:txBody>
+      </p:sp>
+      <p:sp>
+        <p:nvSpPr>
+          <p:cNvPr id="38" name="Rectangle 37"/>
+          <p:cNvSpPr/>
+          <p:nvPr/>
+        </p:nvSpPr>
+        <p:spPr>
+          <a:xfrm>
+            <a:off x="8647430" y="5337175"/>
+            <a:ext cx="1467485" cy="659130"/>
+          </a:xfrm>
+          <a:prstGeom prst="rect">
+            <a:avLst/>
+          </a:prstGeom>
+        </p:spPr>
+        <p:style>
+          <a:lnRef idx="2">
+            <a:schemeClr val="accent4"/>
+          </a:lnRef>
+          <a:fillRef idx="1">
+            <a:schemeClr val="lt1"/>
+          </a:fillRef>
+          <a:effectRef idx="0">
+            <a:schemeClr val="accent4"/>
+          </a:effectRef>
+          <a:fontRef idx="minor">
+            <a:schemeClr val="dk1"/>
+          </a:fontRef>
+        </p:style>
+        <p:txBody>
+          <a:bodyPr rtlCol="0" anchor="ctr"/>
+          <a:p>
+            <a:pPr algn="ctr"/>
+            <a:r>
+              <a:rPr lang="x-none" altLang="en-US" sz="2000"/>
+              <a:t>Graphic</a:t>
+            </a:r>
+            <a:endParaRPr lang="x-none" altLang="en-US" sz="2000"/>
+          </a:p>
+        </p:txBody>
+      </p:sp>
+      <p:sp>
+        <p:nvSpPr>
+          <p:cNvPr id="39" name="Rectangle 38"/>
+          <p:cNvSpPr/>
+          <p:nvPr/>
+        </p:nvSpPr>
+        <p:spPr>
+          <a:xfrm>
+            <a:off x="10115550" y="2212975"/>
+            <a:ext cx="1467485" cy="575945"/>
+          </a:xfrm>
+          <a:prstGeom prst="rect">
+            <a:avLst/>
+          </a:prstGeom>
+        </p:spPr>
+        <p:style>
+          <a:lnRef idx="2">
+            <a:schemeClr val="accent4"/>
+          </a:lnRef>
+          <a:fillRef idx="1">
+            <a:schemeClr val="lt1"/>
+          </a:fillRef>
+          <a:effectRef idx="0">
+            <a:schemeClr val="accent4"/>
+          </a:effectRef>
+          <a:fontRef idx="minor">
+            <a:schemeClr val="dk1"/>
+          </a:fontRef>
+        </p:style>
+        <p:txBody>
+          <a:bodyPr rtlCol="0" anchor="ctr"/>
+          <a:p>
+            <a:pPr algn="ctr"/>
+            <a:r>
+              <a:rPr lang="x-none" altLang="en-US" sz="2000"/>
+              <a:t>Level</a:t>
+            </a:r>
+            <a:endParaRPr lang="x-none" altLang="en-US" sz="2000"/>
+          </a:p>
+        </p:txBody>
+      </p:sp>
+      <p:sp>
+        <p:nvSpPr>
+          <p:cNvPr id="40" name="Rectangle 39"/>
+          <p:cNvSpPr/>
+          <p:nvPr/>
+        </p:nvSpPr>
+        <p:spPr>
+          <a:xfrm>
+            <a:off x="10114915" y="2788920"/>
+            <a:ext cx="1467485" cy="575945"/>
+          </a:xfrm>
+          <a:prstGeom prst="rect">
+            <a:avLst/>
+          </a:prstGeom>
+        </p:spPr>
+        <p:style>
+          <a:lnRef idx="2">
+            <a:schemeClr val="accent4"/>
+          </a:lnRef>
+          <a:fillRef idx="1">
+            <a:schemeClr val="lt1"/>
+          </a:fillRef>
+          <a:effectRef idx="0">
+            <a:schemeClr val="accent4"/>
+          </a:effectRef>
+          <a:fontRef idx="minor">
+            <a:schemeClr val="dk1"/>
+          </a:fontRef>
+        </p:style>
+        <p:txBody>
+          <a:bodyPr rtlCol="0" anchor="ctr"/>
+          <a:p>
+            <a:pPr algn="ctr"/>
+            <a:r>
+              <a:rPr lang="x-none" altLang="en-US" sz="2000"/>
+              <a:t>Stage</a:t>
+            </a:r>
+            <a:endParaRPr lang="x-none" altLang="en-US" sz="2000"/>
           </a:p>
         </p:txBody>
       </p:sp>
@@ -3932,20 +5150,70 @@
             <p:ph type="title"/>
           </p:nvPr>
         </p:nvSpPr>
-        <p:spPr>
-          <a:xfrm>
-            <a:off x="609600" y="275590"/>
-            <a:ext cx="10972800" cy="6136005"/>
-          </a:xfrm>
-        </p:spPr>
+        <p:spPr/>
         <p:txBody>
           <a:bodyPr/>
           <a:p>
             <a:r>
-              <a:rPr lang="x-none" altLang="en-US" sz="5400"/>
-              <a:t>Команда</a:t>
-            </a:r>
-            <a:endParaRPr lang="x-none" altLang="en-US" sz="5400"/>
+              <a:rPr lang="x-none" altLang="en-US"/>
+              <a:t>Технические особенности</a:t>
+            </a:r>
+            <a:endParaRPr lang="x-none" altLang="en-US"/>
+          </a:p>
+        </p:txBody>
+      </p:sp>
+      <p:sp>
+        <p:nvSpPr>
+          <p:cNvPr id="3" name="Content Placeholder 2"/>
+          <p:cNvSpPr>
+            <a:spLocks noGrp="1"/>
+          </p:cNvSpPr>
+          <p:nvPr>
+            <p:ph idx="1"/>
+          </p:nvPr>
+        </p:nvSpPr>
+        <p:spPr/>
+        <p:txBody>
+          <a:bodyPr/>
+          <a:p>
+            <a:pPr algn="just"/>
+            <a:r>
+              <a:rPr lang="x-none" altLang="en-US" sz="2800"/>
+              <a:t>Адаптивный дизайн</a:t>
+            </a:r>
+            <a:endParaRPr lang="x-none" altLang="en-US" sz="2800"/>
+          </a:p>
+          <a:p>
+            <a:pPr algn="just"/>
+            <a:r>
+              <a:rPr lang="x-none" altLang="en-US" sz="2800"/>
+              <a:t>Фон не является объектом отрисовки canvas'а</a:t>
+            </a:r>
+            <a:endParaRPr lang="x-none" altLang="en-US" sz="2800"/>
+          </a:p>
+          <a:p>
+            <a:pPr algn="just"/>
+            <a:r>
+              <a:rPr lang="x-none" altLang="en-US" sz="2800"/>
+              <a:t>Разделение сущностей на несколько массивов по их классам</a:t>
+            </a:r>
+            <a:endParaRPr lang="x-none" altLang="en-US" sz="2800"/>
+          </a:p>
+          <a:p>
+            <a:pPr algn="just"/>
+            <a:r>
+              <a:rPr lang="x-none" altLang="en-US" sz="2800"/>
+              <a:t>Использование загруженных изображений не более одного раза</a:t>
+            </a:r>
+            <a:endParaRPr lang="x-none" altLang="en-US" sz="2800"/>
+          </a:p>
+          <a:p>
+            <a:pPr algn="just"/>
+            <a:r>
+              <a:rPr lang="x-none" altLang="en-US" sz="2800"/>
+              <a:t>Возможность генерации уровней в зависимости от функции</a:t>
+            </a:r>
+            <a:endParaRPr lang="x-none" altLang="en-US" sz="2800"/>
           </a:p>
         </p:txBody>
       </p:sp>
@@ -3977,122 +5245,20 @@
             <p:ph type="title"/>
           </p:nvPr>
         </p:nvSpPr>
-        <p:spPr/>
+        <p:spPr>
+          <a:xfrm>
+            <a:off x="609600" y="275590"/>
+            <a:ext cx="10972800" cy="6136005"/>
+          </a:xfrm>
+        </p:spPr>
         <p:txBody>
           <a:bodyPr/>
           <a:p>
             <a:r>
-              <a:rPr lang="x-none" altLang="en-US"/>
-              <a:t>Статистика</a:t>
-            </a:r>
-            <a:endParaRPr lang="x-none" altLang="en-US"/>
-          </a:p>
-        </p:txBody>
-      </p:sp>
-      <p:sp>
-        <p:nvSpPr>
-          <p:cNvPr id="3" name="Content Placeholder 2"/>
-          <p:cNvSpPr>
-            <a:spLocks noGrp="1"/>
-          </p:cNvSpPr>
-          <p:nvPr>
-            <p:ph idx="1"/>
-          </p:nvPr>
-        </p:nvSpPr>
-        <p:spPr/>
-        <p:txBody>
-          <a:bodyPr/>
-          <a:p>
-            <a:pPr marL="0" indent="0" algn="ctr">
-              <a:buNone/>
-            </a:pPr>
-            <a:r>
-              <a:rPr lang="x-none" altLang="en-US" sz="2800"/>
-              <a:t>Изображений: 14</a:t>
-            </a:r>
-            <a:endParaRPr lang="x-none" altLang="en-US" sz="2800"/>
-          </a:p>
-          <a:p>
-            <a:pPr marL="0" indent="0" algn="ctr">
-              <a:buNone/>
-            </a:pPr>
-            <a:r>
-              <a:rPr lang="x-none" altLang="en-US" sz="2800"/>
-              <a:t>Аудиофайлов: 10</a:t>
-            </a:r>
-            <a:endParaRPr lang="x-none" altLang="en-US" sz="2800"/>
-          </a:p>
-          <a:p>
-            <a:pPr marL="0" indent="0" algn="ctr">
-              <a:spcBef>
-                <a:spcPts val="0"/>
-              </a:spcBef>
-              <a:spcAft>
-                <a:spcPts val="1800"/>
-              </a:spcAft>
-              <a:buNone/>
-            </a:pPr>
-            <a:r>
-              <a:rPr lang="x-none" altLang="en-US" sz="2800"/>
-              <a:t>Скриптовых файлов: 14</a:t>
-            </a:r>
-            <a:endParaRPr lang="x-none" altLang="en-US" sz="2800"/>
-          </a:p>
-          <a:p>
-            <a:pPr marL="0" indent="0" algn="ctr">
-              <a:buNone/>
-            </a:pPr>
-            <a:r>
-              <a:rPr lang="x-none" altLang="en-US" sz="2800"/>
-              <a:t>Коммитов: 97</a:t>
-            </a:r>
-            <a:endParaRPr lang="x-none" altLang="en-US" sz="2800"/>
-          </a:p>
-          <a:p>
-            <a:pPr marL="0" indent="0" algn="ctr">
-              <a:buNone/>
-            </a:pPr>
-            <a:r>
-              <a:rPr lang="x-none" altLang="en-US" sz="2800"/>
-              <a:t>Строк кода: 2578</a:t>
-            </a:r>
-            <a:endParaRPr lang="x-none" altLang="en-US" sz="2800"/>
-          </a:p>
-          <a:p>
-            <a:pPr marL="0" indent="0" algn="ctr">
-              <a:buNone/>
-            </a:pPr>
-            <a:r>
-              <a:rPr lang="x-none" altLang="en-US" sz="2800">
-                <a:sym typeface="+mn-ea"/>
-              </a:rPr>
-              <a:t>4247 </a:t>
-            </a:r>
-            <a:r>
-              <a:rPr lang="x-none" altLang="en-US" sz="2800">
-                <a:solidFill>
-                  <a:srgbClr val="00B050"/>
-                </a:solidFill>
-              </a:rPr>
-              <a:t>добавлено </a:t>
-            </a:r>
-            <a:r>
-              <a:rPr lang="x-none" altLang="en-US" sz="2800"/>
-              <a:t>| </a:t>
-            </a:r>
-            <a:r>
-              <a:rPr lang="x-none" altLang="en-US" sz="2800">
-                <a:solidFill>
-                  <a:srgbClr val="C00000"/>
-                </a:solidFill>
-              </a:rPr>
-              <a:t>удалено </a:t>
-            </a:r>
-            <a:r>
-              <a:rPr lang="x-none" altLang="en-US" sz="2800"/>
-              <a:t>1669</a:t>
-            </a:r>
-            <a:endParaRPr lang="x-none" altLang="en-US" sz="2800"/>
+              <a:rPr lang="x-none" altLang="en-US" sz="5400"/>
+              <a:t>Команда</a:t>
+            </a:r>
+            <a:endParaRPr lang="x-none" altLang="en-US" sz="5400"/>
           </a:p>
         </p:txBody>
       </p:sp>
@@ -4105,6 +5271,153 @@
 </file>
 
 <file path=ppt/slides/slide13.xml><?xml version="1.0" encoding="utf-8"?>
+<p:sld xmlns:a="http://schemas.openxmlformats.org/drawingml/2006/main" xmlns:r="http://schemas.openxmlformats.org/officeDocument/2006/relationships" xmlns:p="http://schemas.openxmlformats.org/presentationml/2006/main">
+  <p:cSld>
+    <p:spTree>
+      <p:nvGrpSpPr>
+        <p:cNvPr id="1" name=""/>
+        <p:cNvGrpSpPr/>
+        <p:nvPr/>
+      </p:nvGrpSpPr>
+      <p:grpSpPr/>
+      <p:sp>
+        <p:nvSpPr>
+          <p:cNvPr id="2" name="Title 1"/>
+          <p:cNvSpPr>
+            <a:spLocks noGrp="1"/>
+          </p:cNvSpPr>
+          <p:nvPr>
+            <p:ph type="title"/>
+          </p:nvPr>
+        </p:nvSpPr>
+        <p:spPr/>
+        <p:txBody>
+          <a:bodyPr/>
+          <a:p>
+            <a:r>
+              <a:rPr lang="x-none" altLang="en-US"/>
+              <a:t>Статистика</a:t>
+            </a:r>
+            <a:endParaRPr lang="x-none" altLang="en-US"/>
+          </a:p>
+        </p:txBody>
+      </p:sp>
+      <p:sp>
+        <p:nvSpPr>
+          <p:cNvPr id="3" name="Content Placeholder 2"/>
+          <p:cNvSpPr>
+            <a:spLocks noGrp="1"/>
+          </p:cNvSpPr>
+          <p:nvPr>
+            <p:ph idx="1"/>
+          </p:nvPr>
+        </p:nvSpPr>
+        <p:spPr/>
+        <p:txBody>
+          <a:bodyPr/>
+          <a:p>
+            <a:pPr marL="0" indent="0" algn="ctr">
+              <a:buNone/>
+            </a:pPr>
+            <a:r>
+              <a:rPr lang="x-none" altLang="en-US" sz="2800"/>
+              <a:t>Изображений: 14</a:t>
+            </a:r>
+            <a:endParaRPr lang="x-none" altLang="en-US" sz="2800"/>
+          </a:p>
+          <a:p>
+            <a:pPr marL="0" indent="0" algn="ctr">
+              <a:buNone/>
+            </a:pPr>
+            <a:r>
+              <a:rPr lang="x-none" altLang="en-US" sz="2800"/>
+              <a:t>Аудиофайлов: 10</a:t>
+            </a:r>
+            <a:endParaRPr lang="x-none" altLang="en-US" sz="2800"/>
+          </a:p>
+          <a:p>
+            <a:pPr marL="0" indent="0" algn="ctr">
+              <a:spcBef>
+                <a:spcPts val="0"/>
+              </a:spcBef>
+              <a:spcAft>
+                <a:spcPts val="1800"/>
+              </a:spcAft>
+              <a:buNone/>
+            </a:pPr>
+            <a:r>
+              <a:rPr lang="x-none" altLang="en-US" sz="2800"/>
+              <a:t>Скриптовых файлов: 14</a:t>
+            </a:r>
+            <a:endParaRPr lang="x-none" altLang="en-US" sz="2800"/>
+          </a:p>
+          <a:p>
+            <a:pPr marL="0" indent="0" algn="ctr">
+              <a:buNone/>
+            </a:pPr>
+            <a:r>
+              <a:rPr lang="x-none" altLang="en-US" sz="2800"/>
+              <a:t>Коммитов: 97</a:t>
+            </a:r>
+            <a:endParaRPr lang="x-none" altLang="en-US" sz="2800"/>
+          </a:p>
+          <a:p>
+            <a:pPr marL="0" indent="0" algn="ctr">
+              <a:buNone/>
+            </a:pPr>
+            <a:r>
+              <a:rPr lang="x-none" altLang="en-US" sz="2800"/>
+              <a:t>Строк кода: 2578</a:t>
+            </a:r>
+            <a:endParaRPr lang="x-none" altLang="en-US" sz="2800"/>
+          </a:p>
+          <a:p>
+            <a:pPr marL="0" indent="0" algn="ctr">
+              <a:buNone/>
+            </a:pPr>
+            <a:r>
+              <a:rPr lang="x-none" altLang="en-US" sz="2800">
+                <a:sym typeface="+mn-ea"/>
+              </a:rPr>
+              <a:t>4247 </a:t>
+            </a:r>
+            <a:r>
+              <a:rPr lang="x-none" altLang="en-US" sz="2800">
+                <a:solidFill>
+                  <a:srgbClr val="00B050"/>
+                </a:solidFill>
+              </a:rPr>
+              <a:t>добавлено </a:t>
+            </a:r>
+            <a:r>
+              <a:rPr lang="x-none" altLang="en-US" sz="2800"/>
+              <a:t>| </a:t>
+            </a:r>
+            <a:r>
+              <a:rPr lang="x-none" altLang="en-US" sz="2800">
+                <a:solidFill>
+                  <a:srgbClr val="C00000"/>
+                </a:solidFill>
+              </a:rPr>
+              <a:t>удалено </a:t>
+            </a:r>
+            <a:r>
+              <a:rPr lang="x-none" altLang="en-US" sz="2800"/>
+              <a:t>1669</a:t>
+            </a:r>
+            <a:endParaRPr lang="x-none" altLang="en-US" sz="2800"/>
+          </a:p>
+        </p:txBody>
+      </p:sp>
+    </p:spTree>
+  </p:cSld>
+  <p:clrMapOvr>
+    <a:masterClrMapping/>
+  </p:clrMapOvr>
+</p:sld>
+</file>
+
+<file path=ppt/slides/slide14.xml><?xml version="1.0" encoding="utf-8"?>
 <p:sld xmlns:a="http://schemas.openxmlformats.org/drawingml/2006/main" xmlns:r="http://schemas.openxmlformats.org/officeDocument/2006/relationships" xmlns:p="http://schemas.openxmlformats.org/presentationml/2006/main">
   <p:cSld>
     <p:spTree>
@@ -4488,7 +5801,7 @@
           </a:p>
           <a:p>
             <a:pPr marL="457200" indent="-457200">
-              <a:buFont typeface="Arial" panose="02080604020202020204" charset="0"/>
+              <a:buFont typeface="Arial" charset="0"/>
               <a:buChar char="•"/>
             </a:pPr>
             <a:r>
@@ -4535,7 +5848,7 @@
           </a:p>
           <a:p>
             <a:pPr marL="457200" indent="-457200" algn="r">
-              <a:buFont typeface="Arial" panose="02080604020202020204" charset="0"/>
+              <a:buFont typeface="Arial" charset="0"/>
               <a:buChar char="•"/>
             </a:pPr>
             <a:r>
@@ -4546,7 +5859,7 @@
           </a:p>
           <a:p>
             <a:pPr marL="457200" indent="-457200" algn="r">
-              <a:buFont typeface="Arial" panose="02080604020202020204" charset="0"/>
+              <a:buFont typeface="Arial" charset="0"/>
               <a:buChar char="•"/>
             </a:pPr>
             <a:r>
@@ -4629,13 +5942,13 @@
             </a:pPr>
             <a:r>
               <a:rPr lang="x-none" altLang="en-US" sz="2800">
-                <a:latin typeface="Arial" panose="02080604020202020204" charset="0"/>
+                <a:latin typeface="Arial" charset="0"/>
                 <a:sym typeface="+mn-ea"/>
               </a:rPr>
               <a:t>Жанр: вертикальный кооперативный шутер с видом сверху.</a:t>
             </a:r>
             <a:endParaRPr lang="x-none" altLang="en-US" sz="2800">
-              <a:latin typeface="Arial" panose="02080604020202020204" charset="0"/>
+              <a:latin typeface="Arial" charset="0"/>
             </a:endParaRPr>
           </a:p>
           <a:p>
@@ -4650,12 +5963,12 @@
             </a:pPr>
             <a:r>
               <a:rPr lang="x-none" altLang="en-US" sz="2800">
-                <a:latin typeface="Arial" panose="02080604020202020204" charset="0"/>
+                <a:latin typeface="Arial" charset="0"/>
               </a:rPr>
               <a:t>Цель игры: пережить наступление космических кораблей, набрав как можно больше очков за убийство врагов.</a:t>
             </a:r>
             <a:endParaRPr lang="x-none" altLang="en-US" sz="2800">
-              <a:latin typeface="Arial" panose="02080604020202020204" charset="0"/>
+              <a:latin typeface="Arial" charset="0"/>
             </a:endParaRPr>
           </a:p>
         </p:txBody>
@@ -4680,36 +5993,80 @@
       <p:grpSpPr/>
       <p:sp>
         <p:nvSpPr>
-          <p:cNvPr id="4" name="Content Placeholder 3"/>
-          <p:cNvSpPr/>
-          <p:nvPr>
-            <p:ph idx="1"/>
-          </p:nvPr>
-        </p:nvSpPr>
-        <p:spPr/>
-        <p:txBody>
-          <a:bodyPr/>
-          <a:p>
-            <a:endParaRPr lang="en-US"/>
-          </a:p>
-        </p:txBody>
-      </p:sp>
-      <p:sp>
-        <p:nvSpPr>
           <p:cNvPr id="5" name="Title 4"/>
           <p:cNvSpPr/>
           <p:nvPr>
             <p:ph type="title"/>
           </p:nvPr>
         </p:nvSpPr>
-        <p:spPr/>
+        <p:spPr>
+          <a:xfrm>
+            <a:off x="610235" y="36513"/>
+            <a:ext cx="10972800" cy="1143000"/>
+          </a:xfrm>
+        </p:spPr>
         <p:txBody>
           <a:bodyPr/>
           <a:p>
-            <a:endParaRPr lang="en-US"/>
-          </a:p>
-        </p:txBody>
-      </p:sp>
+            <a:pPr algn="ctr"/>
+            <a:r>
+              <a:rPr lang="ru-RU" altLang="en-US">
+                <a:sym typeface="+mn-ea"/>
+              </a:rPr>
+              <a:t>Air Gallet</a:t>
+            </a:r>
+            <a:endParaRPr lang="x-none" altLang="en-US"/>
+          </a:p>
+        </p:txBody>
+      </p:sp>
+      <p:pic>
+        <p:nvPicPr>
+          <p:cNvPr id="6" name="Изображение 5" descr="Air Gallet 12"/>
+          <p:cNvPicPr>
+            <a:picLocks noChangeAspect="1"/>
+          </p:cNvPicPr>
+          <p:nvPr/>
+        </p:nvPicPr>
+        <p:blipFill>
+          <a:blip r:embed="rId1"/>
+          <a:stretch>
+            <a:fillRect/>
+          </a:stretch>
+        </p:blipFill>
+        <p:spPr>
+          <a:xfrm>
+            <a:off x="6576695" y="983615"/>
+            <a:ext cx="3866515" cy="5154295"/>
+          </a:xfrm>
+          <a:prstGeom prst="rect">
+            <a:avLst/>
+          </a:prstGeom>
+        </p:spPr>
+      </p:pic>
+      <p:pic>
+        <p:nvPicPr>
+          <p:cNvPr id="2" name="Изображение 1"/>
+          <p:cNvPicPr>
+            <a:picLocks noChangeAspect="1"/>
+          </p:cNvPicPr>
+          <p:nvPr/>
+        </p:nvPicPr>
+        <p:blipFill>
+          <a:blip r:embed="rId2"/>
+          <a:stretch>
+            <a:fillRect/>
+          </a:stretch>
+        </p:blipFill>
+        <p:spPr>
+          <a:xfrm>
+            <a:off x="1657350" y="985520"/>
+            <a:ext cx="3852545" cy="5151755"/>
+          </a:xfrm>
+          <a:prstGeom prst="rect">
+            <a:avLst/>
+          </a:prstGeom>
+        </p:spPr>
+      </p:pic>
     </p:spTree>
   </p:cSld>
   <p:clrMapOvr>
@@ -4730,7 +6087,7 @@
       <p:grpSpPr/>
       <p:sp>
         <p:nvSpPr>
-          <p:cNvPr id="2" name="Title 1"/>
+          <p:cNvPr id="2" name="Заголовок 1"/>
           <p:cNvSpPr>
             <a:spLocks noGrp="1"/>
           </p:cNvSpPr>
@@ -4743,43 +6100,63 @@
           <a:bodyPr/>
           <a:p>
             <a:r>
-              <a:rPr lang="x-none" altLang="en-US"/>
-              <a:t>Игровой процесс</a:t>
-            </a:r>
-            <a:endParaRPr lang="x-none" altLang="en-US"/>
-          </a:p>
-        </p:txBody>
-      </p:sp>
-      <p:sp>
-        <p:nvSpPr>
-          <p:cNvPr id="3" name="Content Placeholder 2"/>
-          <p:cNvSpPr>
-            <a:spLocks noGrp="1"/>
-          </p:cNvSpPr>
-          <p:nvPr>
-            <p:ph idx="1"/>
-          </p:nvPr>
-        </p:nvSpPr>
-        <p:spPr>
-          <a:xfrm>
-            <a:off x="600710" y="1572895"/>
-            <a:ext cx="10972800" cy="3827145"/>
-          </a:xfrm>
-        </p:spPr>
-        <p:txBody>
-          <a:bodyPr anchor="ctr" anchorCtr="0"/>
-          <a:p>
-            <a:pPr marL="0" indent="0" algn="ctr">
-              <a:buNone/>
-            </a:pPr>
-            <a:r>
-              <a:rPr lang="x-none" altLang="en-US" sz="2800"/>
-              <a:t>Игрок, управляя космическим кораблем, должен выжить на игровом поле, убив как можно больше врагов.</a:t>
-            </a:r>
-            <a:endParaRPr lang="x-none" altLang="en-US" sz="2800"/>
-          </a:p>
-        </p:txBody>
-      </p:sp>
+              <a:rPr lang="ru-RU" altLang="en-US">
+                <a:sym typeface="+mn-ea"/>
+              </a:rPr>
+              <a:t>Viper Phase 1</a:t>
+            </a:r>
+            <a:endParaRPr lang="ru-RU" altLang="en-US"/>
+          </a:p>
+        </p:txBody>
+      </p:sp>
+      <p:pic>
+        <p:nvPicPr>
+          <p:cNvPr id="4" name="Изображение 3"/>
+          <p:cNvPicPr>
+            <a:picLocks noChangeAspect="1"/>
+          </p:cNvPicPr>
+          <p:nvPr/>
+        </p:nvPicPr>
+        <p:blipFill>
+          <a:blip r:embed="rId1"/>
+          <a:stretch>
+            <a:fillRect/>
+          </a:stretch>
+        </p:blipFill>
+        <p:spPr>
+          <a:xfrm>
+            <a:off x="1365885" y="1251585"/>
+            <a:ext cx="3874135" cy="5164455"/>
+          </a:xfrm>
+          <a:prstGeom prst="rect">
+            <a:avLst/>
+          </a:prstGeom>
+        </p:spPr>
+      </p:pic>
+      <p:pic>
+        <p:nvPicPr>
+          <p:cNvPr id="5" name="Изображение 4" descr="viprp1s"/>
+          <p:cNvPicPr>
+            <a:picLocks noChangeAspect="1"/>
+          </p:cNvPicPr>
+          <p:nvPr/>
+        </p:nvPicPr>
+        <p:blipFill>
+          <a:blip r:embed="rId2"/>
+          <a:stretch>
+            <a:fillRect/>
+          </a:stretch>
+        </p:blipFill>
+        <p:spPr>
+          <a:xfrm>
+            <a:off x="6532880" y="1202055"/>
+            <a:ext cx="3910965" cy="5213985"/>
+          </a:xfrm>
+          <a:prstGeom prst="rect">
+            <a:avLst/>
+          </a:prstGeom>
+        </p:spPr>
+      </p:pic>
     </p:spTree>
   </p:cSld>
   <p:clrMapOvr>
@@ -4814,39 +6191,42 @@
           <a:p>
             <a:r>
               <a:rPr lang="x-none" altLang="en-US"/>
-              <a:t>Главное меню</a:t>
+              <a:t>Игровой процесс</a:t>
             </a:r>
             <a:endParaRPr lang="x-none" altLang="en-US"/>
           </a:p>
         </p:txBody>
       </p:sp>
-      <p:pic>
-        <p:nvPicPr>
-          <p:cNvPr id="6" name="Content Placeholder 5" descr="/home/direded/Pictures/Screenshot from 2017-07-15 01-31-00.pngScreenshot from 2017-07-15 01-31-00"/>
-          <p:cNvPicPr>
-            <a:picLocks noChangeAspect="1"/>
-          </p:cNvPicPr>
+      <p:sp>
+        <p:nvSpPr>
+          <p:cNvPr id="3" name="Content Placeholder 2"/>
+          <p:cNvSpPr>
+            <a:spLocks noGrp="1"/>
+          </p:cNvSpPr>
           <p:nvPr>
             <p:ph idx="1"/>
           </p:nvPr>
-        </p:nvPicPr>
-        <p:blipFill>
-          <a:blip r:embed="rId1"/>
-          <a:srcRect/>
-          <a:stretch>
-            <a:fillRect/>
-          </a:stretch>
-        </p:blipFill>
-        <p:spPr>
-          <a:xfrm>
-            <a:off x="1857058" y="1593215"/>
-            <a:ext cx="8477250" cy="4768850"/>
-          </a:xfrm>
-          <a:prstGeom prst="rect">
-            <a:avLst/>
-          </a:prstGeom>
-        </p:spPr>
-      </p:pic>
+        </p:nvSpPr>
+        <p:spPr>
+          <a:xfrm>
+            <a:off x="600710" y="1572895"/>
+            <a:ext cx="10972800" cy="3827145"/>
+          </a:xfrm>
+        </p:spPr>
+        <p:txBody>
+          <a:bodyPr anchor="ctr" anchorCtr="0"/>
+          <a:p>
+            <a:pPr marL="0" indent="0" algn="ctr">
+              <a:buNone/>
+            </a:pPr>
+            <a:r>
+              <a:rPr lang="x-none" altLang="en-US" sz="2800"/>
+              <a:t>Игрок, управляя космическим кораблем, должен выжить на игровом поле, убив как можно больше врагов.</a:t>
+            </a:r>
+            <a:endParaRPr lang="x-none" altLang="en-US" sz="2800"/>
+          </a:p>
+        </p:txBody>
+      </p:sp>
     </p:spTree>
   </p:cSld>
   <p:clrMapOvr>
@@ -4881,7 +6261,7 @@
           <a:p>
             <a:r>
               <a:rPr lang="x-none" altLang="en-US"/>
-              <a:t>Игровой процесс</a:t>
+              <a:t>Главное меню</a:t>
             </a:r>
             <a:endParaRPr lang="x-none" altLang="en-US"/>
           </a:p>
@@ -4889,7 +6269,7 @@
       </p:sp>
       <p:pic>
         <p:nvPicPr>
-          <p:cNvPr id="4" name="Content Placeholder 3"/>
+          <p:cNvPr id="6" name="Content Placeholder 5" descr="/home/direded/Pictures/Screenshot from 2017-07-15 01-31-00.pngScreenshot from 2017-07-15 01-31-00"/>
           <p:cNvPicPr>
             <a:picLocks noChangeAspect="1"/>
           </p:cNvPicPr>
@@ -4899,14 +6279,15 @@
         </p:nvPicPr>
         <p:blipFill>
           <a:blip r:embed="rId1"/>
+          <a:srcRect/>
           <a:stretch>
             <a:fillRect/>
           </a:stretch>
         </p:blipFill>
         <p:spPr>
           <a:xfrm>
-            <a:off x="1856740" y="1592580"/>
-            <a:ext cx="8477885" cy="4770120"/>
+            <a:off x="1857058" y="1593215"/>
+            <a:ext cx="8477250" cy="4768850"/>
           </a:xfrm>
           <a:prstGeom prst="rect">
             <a:avLst/>
@@ -4947,7 +6328,7 @@
           <a:p>
             <a:r>
               <a:rPr lang="x-none" altLang="en-US"/>
-              <a:t>Кооператив</a:t>
+              <a:t>Игровой процесс</a:t>
             </a:r>
             <a:endParaRPr lang="x-none" altLang="en-US"/>
           </a:p>
@@ -4955,7 +6336,7 @@
       </p:sp>
       <p:pic>
         <p:nvPicPr>
-          <p:cNvPr id="4" name="Content Placeholder 3" descr="Screenshot from 2017-07-15 01-33-01"/>
+          <p:cNvPr id="4" name="Content Placeholder 3"/>
           <p:cNvPicPr>
             <a:picLocks noChangeAspect="1"/>
           </p:cNvPicPr>
@@ -4971,8 +6352,8 @@
         </p:blipFill>
         <p:spPr>
           <a:xfrm>
-            <a:off x="1871345" y="1610360"/>
-            <a:ext cx="8448675" cy="4753610"/>
+            <a:off x="1856740" y="1592580"/>
+            <a:ext cx="8477885" cy="4770120"/>
           </a:xfrm>
           <a:prstGeom prst="rect">
             <a:avLst/>
@@ -5013,7 +6394,7 @@
           <a:p>
             <a:r>
               <a:rPr lang="x-none" altLang="en-US"/>
-              <a:t>Проигрыш</a:t>
+              <a:t>Кооператив</a:t>
             </a:r>
             <a:endParaRPr lang="x-none" altLang="en-US"/>
           </a:p>
@@ -5021,7 +6402,7 @@
       </p:sp>
       <p:pic>
         <p:nvPicPr>
-          <p:cNvPr id="7" name="Content Placeholder 6"/>
+          <p:cNvPr id="4" name="Content Placeholder 3" descr="Screenshot from 2017-07-15 01-33-01"/>
           <p:cNvPicPr>
             <a:picLocks noChangeAspect="1"/>
           </p:cNvPicPr>
@@ -5037,8 +6418,8 @@
         </p:blipFill>
         <p:spPr>
           <a:xfrm>
-            <a:off x="1834515" y="1581150"/>
-            <a:ext cx="8522335" cy="4794250"/>
+            <a:off x="1871345" y="1610360"/>
+            <a:ext cx="8448675" cy="4753610"/>
           </a:xfrm>
           <a:prstGeom prst="rect">
             <a:avLst/>
@@ -5073,1290 +6454,44 @@
             <p:ph type="title"/>
           </p:nvPr>
         </p:nvSpPr>
-        <p:spPr>
-          <a:xfrm>
-            <a:off x="609600" y="-13017"/>
-            <a:ext cx="10972800" cy="1143000"/>
-          </a:xfrm>
-        </p:spPr>
+        <p:spPr/>
         <p:txBody>
           <a:bodyPr/>
           <a:p>
             <a:r>
               <a:rPr lang="x-none" altLang="en-US"/>
-              <a:t>Структура кода</a:t>
+              <a:t>Проигрыш</a:t>
             </a:r>
             <a:endParaRPr lang="x-none" altLang="en-US"/>
           </a:p>
         </p:txBody>
       </p:sp>
-      <p:sp>
-        <p:nvSpPr>
-          <p:cNvPr id="5" name="Rectangle 4"/>
-          <p:cNvSpPr/>
-          <p:nvPr/>
-        </p:nvSpPr>
-        <p:spPr>
-          <a:xfrm>
-            <a:off x="10114915" y="1314450"/>
-            <a:ext cx="1467485" cy="575945"/>
+      <p:pic>
+        <p:nvPicPr>
+          <p:cNvPr id="7" name="Content Placeholder 6"/>
+          <p:cNvPicPr>
+            <a:picLocks noChangeAspect="1"/>
+          </p:cNvPicPr>
+          <p:nvPr>
+            <p:ph idx="1"/>
+          </p:nvPr>
+        </p:nvPicPr>
+        <p:blipFill>
+          <a:blip r:embed="rId1"/>
+          <a:stretch>
+            <a:fillRect/>
+          </a:stretch>
+        </p:blipFill>
+        <p:spPr>
+          <a:xfrm>
+            <a:off x="1834515" y="1581150"/>
+            <a:ext cx="8522335" cy="4794250"/>
           </a:xfrm>
           <a:prstGeom prst="rect">
             <a:avLst/>
           </a:prstGeom>
         </p:spPr>
-        <p:style>
-          <a:lnRef idx="2">
-            <a:schemeClr val="accent4"/>
-          </a:lnRef>
-          <a:fillRef idx="1">
-            <a:schemeClr val="lt1"/>
-          </a:fillRef>
-          <a:effectRef idx="0">
-            <a:schemeClr val="accent4"/>
-          </a:effectRef>
-          <a:fontRef idx="minor">
-            <a:schemeClr val="dk1"/>
-          </a:fontRef>
-        </p:style>
-        <p:txBody>
-          <a:bodyPr rtlCol="0" anchor="ctr"/>
-          <a:p>
-            <a:pPr algn="ctr"/>
-            <a:r>
-              <a:rPr lang="x-none" altLang="en-US" sz="2000"/>
-              <a:t>Game</a:t>
-            </a:r>
-            <a:endParaRPr lang="x-none" altLang="en-US" sz="2000"/>
-          </a:p>
-        </p:txBody>
-      </p:sp>
-      <p:sp>
-        <p:nvSpPr>
-          <p:cNvPr id="6" name="Rectangle 5"/>
-          <p:cNvSpPr/>
-          <p:nvPr/>
-        </p:nvSpPr>
-        <p:spPr>
-          <a:xfrm>
-            <a:off x="989330" y="1322070"/>
-            <a:ext cx="1467485" cy="575945"/>
-          </a:xfrm>
-          <a:prstGeom prst="rect">
-            <a:avLst/>
-          </a:prstGeom>
-        </p:spPr>
-        <p:style>
-          <a:lnRef idx="2">
-            <a:schemeClr val="accent4"/>
-          </a:lnRef>
-          <a:fillRef idx="1">
-            <a:schemeClr val="lt1"/>
-          </a:fillRef>
-          <a:effectRef idx="0">
-            <a:schemeClr val="accent4"/>
-          </a:effectRef>
-          <a:fontRef idx="minor">
-            <a:schemeClr val="dk1"/>
-          </a:fontRef>
-        </p:style>
-        <p:txBody>
-          <a:bodyPr rtlCol="0" anchor="ctr"/>
-          <a:p>
-            <a:pPr algn="ctr"/>
-            <a:r>
-              <a:rPr lang="x-none" altLang="en-US" sz="2000"/>
-              <a:t>Entity</a:t>
-            </a:r>
-            <a:endParaRPr lang="x-none" altLang="en-US" sz="2000"/>
-          </a:p>
-        </p:txBody>
-      </p:sp>
-      <p:sp>
-        <p:nvSpPr>
-          <p:cNvPr id="7" name="Rectangle 6"/>
-          <p:cNvSpPr/>
-          <p:nvPr/>
-        </p:nvSpPr>
-        <p:spPr>
-          <a:xfrm>
-            <a:off x="5051425" y="1322705"/>
-            <a:ext cx="1467485" cy="575945"/>
-          </a:xfrm>
-          <a:prstGeom prst="rect">
-            <a:avLst/>
-          </a:prstGeom>
-        </p:spPr>
-        <p:style>
-          <a:lnRef idx="2">
-            <a:schemeClr val="accent4"/>
-          </a:lnRef>
-          <a:fillRef idx="1">
-            <a:schemeClr val="lt1"/>
-          </a:fillRef>
-          <a:effectRef idx="0">
-            <a:schemeClr val="accent4"/>
-          </a:effectRef>
-          <a:fontRef idx="minor">
-            <a:schemeClr val="dk1"/>
-          </a:fontRef>
-        </p:style>
-        <p:txBody>
-          <a:bodyPr rtlCol="0" anchor="ctr"/>
-          <a:p>
-            <a:pPr algn="ctr"/>
-            <a:r>
-              <a:rPr lang="x-none" altLang="en-US" sz="2000"/>
-              <a:t>Player</a:t>
-            </a:r>
-            <a:endParaRPr lang="x-none" altLang="en-US" sz="2000"/>
-          </a:p>
-        </p:txBody>
-      </p:sp>
-      <p:sp>
-        <p:nvSpPr>
-          <p:cNvPr id="8" name="Rectangle 7"/>
-          <p:cNvSpPr/>
-          <p:nvPr/>
-        </p:nvSpPr>
-        <p:spPr>
-          <a:xfrm>
-            <a:off x="4317365" y="2213610"/>
-            <a:ext cx="1467485" cy="575945"/>
-          </a:xfrm>
-          <a:prstGeom prst="rect">
-            <a:avLst/>
-          </a:prstGeom>
-        </p:spPr>
-        <p:style>
-          <a:lnRef idx="2">
-            <a:schemeClr val="accent4"/>
-          </a:lnRef>
-          <a:fillRef idx="1">
-            <a:schemeClr val="lt1"/>
-          </a:fillRef>
-          <a:effectRef idx="0">
-            <a:schemeClr val="accent4"/>
-          </a:effectRef>
-          <a:fontRef idx="minor">
-            <a:schemeClr val="dk1"/>
-          </a:fontRef>
-        </p:style>
-        <p:txBody>
-          <a:bodyPr rtlCol="0" anchor="ctr"/>
-          <a:p>
-            <a:pPr algn="ctr"/>
-            <a:r>
-              <a:rPr lang="x-none" altLang="en-US" sz="2000"/>
-              <a:t>Enemy</a:t>
-            </a:r>
-            <a:endParaRPr lang="x-none" altLang="en-US" sz="2000"/>
-          </a:p>
-        </p:txBody>
-      </p:sp>
-      <p:sp>
-        <p:nvSpPr>
-          <p:cNvPr id="9" name="Rectangle 8"/>
-          <p:cNvSpPr/>
-          <p:nvPr/>
-        </p:nvSpPr>
-        <p:spPr>
-          <a:xfrm>
-            <a:off x="2665730" y="2212975"/>
-            <a:ext cx="1467485" cy="575945"/>
-          </a:xfrm>
-          <a:prstGeom prst="rect">
-            <a:avLst/>
-          </a:prstGeom>
-        </p:spPr>
-        <p:style>
-          <a:lnRef idx="2">
-            <a:schemeClr val="accent4"/>
-          </a:lnRef>
-          <a:fillRef idx="1">
-            <a:schemeClr val="lt1"/>
-          </a:fillRef>
-          <a:effectRef idx="0">
-            <a:schemeClr val="accent4"/>
-          </a:effectRef>
-          <a:fontRef idx="minor">
-            <a:schemeClr val="dk1"/>
-          </a:fontRef>
-        </p:style>
-        <p:txBody>
-          <a:bodyPr rtlCol="0" anchor="ctr"/>
-          <a:p>
-            <a:pPr algn="ctr"/>
-            <a:r>
-              <a:rPr lang="x-none" altLang="en-US" sz="2000"/>
-              <a:t>Bullet</a:t>
-            </a:r>
-            <a:endParaRPr lang="x-none" altLang="en-US" sz="2000"/>
-          </a:p>
-        </p:txBody>
-      </p:sp>
-      <p:sp>
-        <p:nvSpPr>
-          <p:cNvPr id="10" name="Rectangle 9"/>
-          <p:cNvSpPr/>
-          <p:nvPr/>
-        </p:nvSpPr>
-        <p:spPr>
-          <a:xfrm>
-            <a:off x="989330" y="2212975"/>
-            <a:ext cx="1467485" cy="575945"/>
-          </a:xfrm>
-          <a:prstGeom prst="rect">
-            <a:avLst/>
-          </a:prstGeom>
-        </p:spPr>
-        <p:style>
-          <a:lnRef idx="2">
-            <a:schemeClr val="accent4"/>
-          </a:lnRef>
-          <a:fillRef idx="1">
-            <a:schemeClr val="lt1"/>
-          </a:fillRef>
-          <a:effectRef idx="0">
-            <a:schemeClr val="accent4"/>
-          </a:effectRef>
-          <a:fontRef idx="minor">
-            <a:schemeClr val="dk1"/>
-          </a:fontRef>
-        </p:style>
-        <p:txBody>
-          <a:bodyPr rtlCol="0" anchor="ctr"/>
-          <a:p>
-            <a:pPr algn="ctr"/>
-            <a:r>
-              <a:rPr lang="x-none" altLang="en-US" sz="2000"/>
-              <a:t>Bonus</a:t>
-            </a:r>
-            <a:endParaRPr lang="x-none" altLang="en-US" sz="2000"/>
-          </a:p>
-        </p:txBody>
-      </p:sp>
-      <p:cxnSp>
-        <p:nvCxnSpPr>
-          <p:cNvPr id="11" name="Straight Arrow Connector 10"/>
-          <p:cNvCxnSpPr>
-            <a:stCxn id="7" idx="1"/>
-            <a:endCxn id="6" idx="3"/>
-          </p:cNvCxnSpPr>
-          <p:nvPr/>
-        </p:nvCxnSpPr>
-        <p:spPr>
-          <a:xfrm flipH="1" flipV="1">
-            <a:off x="2456815" y="1610360"/>
-            <a:ext cx="2594610" cy="635"/>
-          </a:xfrm>
-          <a:prstGeom prst="straightConnector1">
-            <a:avLst/>
-          </a:prstGeom>
-          <a:ln>
-            <a:tailEnd type="arrow" w="med" len="med"/>
-          </a:ln>
-        </p:spPr>
-        <p:style>
-          <a:lnRef idx="1">
-            <a:schemeClr val="accent4"/>
-          </a:lnRef>
-          <a:fillRef idx="0">
-            <a:schemeClr val="accent4"/>
-          </a:fillRef>
-          <a:effectRef idx="0">
-            <a:schemeClr val="accent4"/>
-          </a:effectRef>
-          <a:fontRef idx="minor">
-            <a:schemeClr val="tx1"/>
-          </a:fontRef>
-        </p:style>
-      </p:cxnSp>
-      <p:cxnSp>
-        <p:nvCxnSpPr>
-          <p:cNvPr id="12" name="Straight Arrow Connector 11"/>
-          <p:cNvCxnSpPr>
-            <a:stCxn id="10" idx="0"/>
-            <a:endCxn id="6" idx="2"/>
-          </p:cNvCxnSpPr>
-          <p:nvPr/>
-        </p:nvCxnSpPr>
-        <p:spPr>
-          <a:xfrm flipV="1">
-            <a:off x="1715135" y="1898015"/>
-            <a:ext cx="0" cy="314960"/>
-          </a:xfrm>
-          <a:prstGeom prst="straightConnector1">
-            <a:avLst/>
-          </a:prstGeom>
-          <a:ln>
-            <a:tailEnd type="arrow" w="med" len="med"/>
-          </a:ln>
-        </p:spPr>
-        <p:style>
-          <a:lnRef idx="1">
-            <a:schemeClr val="accent4"/>
-          </a:lnRef>
-          <a:fillRef idx="0">
-            <a:schemeClr val="accent4"/>
-          </a:fillRef>
-          <a:effectRef idx="0">
-            <a:schemeClr val="accent4"/>
-          </a:effectRef>
-          <a:fontRef idx="minor">
-            <a:schemeClr val="tx1"/>
-          </a:fontRef>
-        </p:style>
-      </p:cxnSp>
-      <p:cxnSp>
-        <p:nvCxnSpPr>
-          <p:cNvPr id="13" name="Straight Arrow Connector 12"/>
-          <p:cNvCxnSpPr>
-            <a:stCxn id="9" idx="0"/>
-          </p:cNvCxnSpPr>
-          <p:nvPr/>
-        </p:nvCxnSpPr>
-        <p:spPr>
-          <a:xfrm flipH="1" flipV="1">
-            <a:off x="2448560" y="1898015"/>
-            <a:ext cx="942975" cy="314960"/>
-          </a:xfrm>
-          <a:prstGeom prst="straightConnector1">
-            <a:avLst/>
-          </a:prstGeom>
-          <a:ln>
-            <a:tailEnd type="arrow" w="med" len="med"/>
-          </a:ln>
-        </p:spPr>
-        <p:style>
-          <a:lnRef idx="1">
-            <a:schemeClr val="accent4"/>
-          </a:lnRef>
-          <a:fillRef idx="0">
-            <a:schemeClr val="accent4"/>
-          </a:fillRef>
-          <a:effectRef idx="0">
-            <a:schemeClr val="accent4"/>
-          </a:effectRef>
-          <a:fontRef idx="minor">
-            <a:schemeClr val="tx1"/>
-          </a:fontRef>
-        </p:style>
-      </p:cxnSp>
-      <p:cxnSp>
-        <p:nvCxnSpPr>
-          <p:cNvPr id="14" name="Straight Arrow Connector 13"/>
-          <p:cNvCxnSpPr/>
-          <p:nvPr/>
-        </p:nvCxnSpPr>
-        <p:spPr>
-          <a:xfrm flipH="1" flipV="1">
-            <a:off x="2456815" y="1759585"/>
-            <a:ext cx="1860550" cy="453390"/>
-          </a:xfrm>
-          <a:prstGeom prst="straightConnector1">
-            <a:avLst/>
-          </a:prstGeom>
-          <a:ln>
-            <a:tailEnd type="arrow" w="med" len="med"/>
-          </a:ln>
-        </p:spPr>
-        <p:style>
-          <a:lnRef idx="1">
-            <a:schemeClr val="accent4"/>
-          </a:lnRef>
-          <a:fillRef idx="0">
-            <a:schemeClr val="accent4"/>
-          </a:fillRef>
-          <a:effectRef idx="0">
-            <a:schemeClr val="accent4"/>
-          </a:effectRef>
-          <a:fontRef idx="minor">
-            <a:schemeClr val="tx1"/>
-          </a:fontRef>
-        </p:style>
-      </p:cxnSp>
-      <p:sp>
-        <p:nvSpPr>
-          <p:cNvPr id="15" name="Rectangle 14"/>
-          <p:cNvSpPr/>
-          <p:nvPr/>
-        </p:nvSpPr>
-        <p:spPr>
-          <a:xfrm>
-            <a:off x="5170170" y="3683000"/>
-            <a:ext cx="1467485" cy="575945"/>
-          </a:xfrm>
-          <a:prstGeom prst="rect">
-            <a:avLst/>
-          </a:prstGeom>
-        </p:spPr>
-        <p:style>
-          <a:lnRef idx="2">
-            <a:schemeClr val="accent4"/>
-          </a:lnRef>
-          <a:fillRef idx="1">
-            <a:schemeClr val="lt1"/>
-          </a:fillRef>
-          <a:effectRef idx="0">
-            <a:schemeClr val="accent4"/>
-          </a:effectRef>
-          <a:fontRef idx="minor">
-            <a:schemeClr val="dk1"/>
-          </a:fontRef>
-        </p:style>
-        <p:txBody>
-          <a:bodyPr rtlCol="0" anchor="ctr"/>
-          <a:p>
-            <a:pPr algn="ctr"/>
-            <a:r>
-              <a:rPr lang="x-none" altLang="en-US" sz="2000"/>
-              <a:t>DefaultE</a:t>
-            </a:r>
-            <a:endParaRPr lang="x-none" altLang="en-US" sz="2000"/>
-          </a:p>
-        </p:txBody>
-      </p:sp>
-      <p:sp>
-        <p:nvSpPr>
-          <p:cNvPr id="16" name="Rectangle 15"/>
-          <p:cNvSpPr/>
-          <p:nvPr/>
-        </p:nvSpPr>
-        <p:spPr>
-          <a:xfrm>
-            <a:off x="2850515" y="3692525"/>
-            <a:ext cx="1907540" cy="575945"/>
-          </a:xfrm>
-          <a:prstGeom prst="rect">
-            <a:avLst/>
-          </a:prstGeom>
-        </p:spPr>
-        <p:style>
-          <a:lnRef idx="2">
-            <a:schemeClr val="accent4"/>
-          </a:lnRef>
-          <a:fillRef idx="1">
-            <a:schemeClr val="lt1"/>
-          </a:fillRef>
-          <a:effectRef idx="0">
-            <a:schemeClr val="accent4"/>
-          </a:effectRef>
-          <a:fontRef idx="minor">
-            <a:schemeClr val="dk1"/>
-          </a:fontRef>
-        </p:style>
-        <p:txBody>
-          <a:bodyPr rtlCol="0" anchor="ctr"/>
-          <a:p>
-            <a:pPr algn="ctr"/>
-            <a:r>
-              <a:rPr lang="x-none" altLang="en-US" sz="2000"/>
-              <a:t>EnemyB</a:t>
-            </a:r>
-            <a:endParaRPr lang="x-none" altLang="en-US" sz="2000"/>
-          </a:p>
-        </p:txBody>
-      </p:sp>
-      <p:sp>
-        <p:nvSpPr>
-          <p:cNvPr id="17" name="Rectangle 16"/>
-          <p:cNvSpPr/>
-          <p:nvPr/>
-        </p:nvSpPr>
-        <p:spPr>
-          <a:xfrm>
-            <a:off x="5170170" y="4258945"/>
-            <a:ext cx="1467485" cy="575945"/>
-          </a:xfrm>
-          <a:prstGeom prst="rect">
-            <a:avLst/>
-          </a:prstGeom>
-        </p:spPr>
-        <p:style>
-          <a:lnRef idx="2">
-            <a:schemeClr val="accent4"/>
-          </a:lnRef>
-          <a:fillRef idx="1">
-            <a:schemeClr val="lt1"/>
-          </a:fillRef>
-          <a:effectRef idx="0">
-            <a:schemeClr val="accent4"/>
-          </a:effectRef>
-          <a:fontRef idx="minor">
-            <a:schemeClr val="dk1"/>
-          </a:fontRef>
-        </p:style>
-        <p:txBody>
-          <a:bodyPr rtlCol="0" anchor="ctr"/>
-          <a:p>
-            <a:pPr algn="ctr"/>
-            <a:r>
-              <a:rPr lang="x-none" altLang="en-US" sz="2000"/>
-              <a:t>SniperE</a:t>
-            </a:r>
-            <a:endParaRPr lang="x-none" altLang="en-US" sz="2000"/>
-          </a:p>
-        </p:txBody>
-      </p:sp>
-      <p:cxnSp>
-        <p:nvCxnSpPr>
-          <p:cNvPr id="18" name="Straight Arrow Connector 17"/>
-          <p:cNvCxnSpPr>
-            <a:stCxn id="15" idx="0"/>
-          </p:cNvCxnSpPr>
-          <p:nvPr/>
-        </p:nvCxnSpPr>
-        <p:spPr>
-          <a:xfrm flipH="1" flipV="1">
-            <a:off x="5050790" y="2788920"/>
-            <a:ext cx="853440" cy="894080"/>
-          </a:xfrm>
-          <a:prstGeom prst="straightConnector1">
-            <a:avLst/>
-          </a:prstGeom>
-          <a:ln>
-            <a:tailEnd type="arrow" w="med" len="med"/>
-          </a:ln>
-        </p:spPr>
-        <p:style>
-          <a:lnRef idx="1">
-            <a:schemeClr val="accent4"/>
-          </a:lnRef>
-          <a:fillRef idx="0">
-            <a:schemeClr val="accent4"/>
-          </a:fillRef>
-          <a:effectRef idx="0">
-            <a:schemeClr val="accent4"/>
-          </a:effectRef>
-          <a:fontRef idx="minor">
-            <a:schemeClr val="tx1"/>
-          </a:fontRef>
-        </p:style>
-      </p:cxnSp>
-      <p:sp>
-        <p:nvSpPr>
-          <p:cNvPr id="20" name="Rectangle 19"/>
-          <p:cNvSpPr/>
-          <p:nvPr/>
-        </p:nvSpPr>
-        <p:spPr>
-          <a:xfrm>
-            <a:off x="2850515" y="4269740"/>
-            <a:ext cx="1912620" cy="575945"/>
-          </a:xfrm>
-          <a:prstGeom prst="rect">
-            <a:avLst/>
-          </a:prstGeom>
-        </p:spPr>
-        <p:style>
-          <a:lnRef idx="2">
-            <a:schemeClr val="accent4"/>
-          </a:lnRef>
-          <a:fillRef idx="1">
-            <a:schemeClr val="lt1"/>
-          </a:fillRef>
-          <a:effectRef idx="0">
-            <a:schemeClr val="accent4"/>
-          </a:effectRef>
-          <a:fontRef idx="minor">
-            <a:schemeClr val="dk1"/>
-          </a:fontRef>
-        </p:style>
-        <p:txBody>
-          <a:bodyPr rtlCol="0" anchor="ctr"/>
-          <a:p>
-            <a:pPr algn="ctr"/>
-            <a:r>
-              <a:rPr lang="x-none" altLang="en-US" sz="2000"/>
-              <a:t>RifleB</a:t>
-            </a:r>
-            <a:endParaRPr lang="x-none" altLang="en-US" sz="2000"/>
-          </a:p>
-        </p:txBody>
-      </p:sp>
-      <p:sp>
-        <p:nvSpPr>
-          <p:cNvPr id="21" name="Rectangle 20"/>
-          <p:cNvSpPr/>
-          <p:nvPr/>
-        </p:nvSpPr>
-        <p:spPr>
-          <a:xfrm>
-            <a:off x="2847340" y="4844415"/>
-            <a:ext cx="1915160" cy="575945"/>
-          </a:xfrm>
-          <a:prstGeom prst="rect">
-            <a:avLst/>
-          </a:prstGeom>
-        </p:spPr>
-        <p:style>
-          <a:lnRef idx="2">
-            <a:schemeClr val="accent4"/>
-          </a:lnRef>
-          <a:fillRef idx="1">
-            <a:schemeClr val="lt1"/>
-          </a:fillRef>
-          <a:effectRef idx="0">
-            <a:schemeClr val="accent4"/>
-          </a:effectRef>
-          <a:fontRef idx="minor">
-            <a:schemeClr val="dk1"/>
-          </a:fontRef>
-        </p:style>
-        <p:txBody>
-          <a:bodyPr rtlCol="0" anchor="ctr"/>
-          <a:p>
-            <a:pPr algn="ctr"/>
-            <a:r>
-              <a:rPr lang="x-none" altLang="en-US" sz="2000"/>
-              <a:t>MachinegunB</a:t>
-            </a:r>
-            <a:endParaRPr lang="x-none" altLang="en-US" sz="2000"/>
-          </a:p>
-        </p:txBody>
-      </p:sp>
-      <p:sp>
-        <p:nvSpPr>
-          <p:cNvPr id="22" name="Rectangle 21"/>
-          <p:cNvSpPr/>
-          <p:nvPr/>
-        </p:nvSpPr>
-        <p:spPr>
-          <a:xfrm>
-            <a:off x="2844165" y="5423535"/>
-            <a:ext cx="1919605" cy="575945"/>
-          </a:xfrm>
-          <a:prstGeom prst="rect">
-            <a:avLst/>
-          </a:prstGeom>
-        </p:spPr>
-        <p:style>
-          <a:lnRef idx="2">
-            <a:schemeClr val="accent4"/>
-          </a:lnRef>
-          <a:fillRef idx="1">
-            <a:schemeClr val="lt1"/>
-          </a:fillRef>
-          <a:effectRef idx="0">
-            <a:schemeClr val="accent4"/>
-          </a:effectRef>
-          <a:fontRef idx="minor">
-            <a:schemeClr val="dk1"/>
-          </a:fontRef>
-        </p:style>
-        <p:txBody>
-          <a:bodyPr rtlCol="0" anchor="ctr"/>
-          <a:p>
-            <a:pPr algn="ctr"/>
-            <a:r>
-              <a:rPr lang="x-none" altLang="en-US" sz="2000"/>
-              <a:t>ShotgunB</a:t>
-            </a:r>
-            <a:endParaRPr lang="x-none" altLang="en-US" sz="2000"/>
-          </a:p>
-        </p:txBody>
-      </p:sp>
-      <p:cxnSp>
-        <p:nvCxnSpPr>
-          <p:cNvPr id="23" name="Straight Arrow Connector 22"/>
-          <p:cNvCxnSpPr>
-            <a:stCxn id="16" idx="0"/>
-            <a:endCxn id="9" idx="2"/>
-          </p:cNvCxnSpPr>
-          <p:nvPr/>
-        </p:nvCxnSpPr>
-        <p:spPr>
-          <a:xfrm flipH="1" flipV="1">
-            <a:off x="3399790" y="2788920"/>
-            <a:ext cx="404495" cy="903605"/>
-          </a:xfrm>
-          <a:prstGeom prst="straightConnector1">
-            <a:avLst/>
-          </a:prstGeom>
-          <a:ln>
-            <a:tailEnd type="arrow" w="med" len="med"/>
-          </a:ln>
-        </p:spPr>
-        <p:style>
-          <a:lnRef idx="1">
-            <a:schemeClr val="accent4"/>
-          </a:lnRef>
-          <a:fillRef idx="0">
-            <a:schemeClr val="accent4"/>
-          </a:fillRef>
-          <a:effectRef idx="0">
-            <a:schemeClr val="accent4"/>
-          </a:effectRef>
-          <a:fontRef idx="minor">
-            <a:schemeClr val="tx1"/>
-          </a:fontRef>
-        </p:style>
-      </p:cxnSp>
-      <p:sp>
-        <p:nvSpPr>
-          <p:cNvPr id="25" name="Rectangle 24"/>
-          <p:cNvSpPr/>
-          <p:nvPr/>
-        </p:nvSpPr>
-        <p:spPr>
-          <a:xfrm>
-            <a:off x="617220" y="4269740"/>
-            <a:ext cx="1912620" cy="575945"/>
-          </a:xfrm>
-          <a:prstGeom prst="rect">
-            <a:avLst/>
-          </a:prstGeom>
-        </p:spPr>
-        <p:style>
-          <a:lnRef idx="2">
-            <a:schemeClr val="accent4"/>
-          </a:lnRef>
-          <a:fillRef idx="1">
-            <a:schemeClr val="lt1"/>
-          </a:fillRef>
-          <a:effectRef idx="0">
-            <a:schemeClr val="accent4"/>
-          </a:effectRef>
-          <a:fontRef idx="minor">
-            <a:schemeClr val="dk1"/>
-          </a:fontRef>
-        </p:style>
-        <p:txBody>
-          <a:bodyPr rtlCol="0" anchor="ctr"/>
-          <a:p>
-            <a:pPr algn="ctr"/>
-            <a:r>
-              <a:rPr lang="x-none" altLang="en-US" sz="2000"/>
-              <a:t>RifleB</a:t>
-            </a:r>
-            <a:endParaRPr lang="x-none" altLang="en-US" sz="2000"/>
-          </a:p>
-        </p:txBody>
-      </p:sp>
-      <p:sp>
-        <p:nvSpPr>
-          <p:cNvPr id="26" name="Rectangle 25"/>
-          <p:cNvSpPr/>
-          <p:nvPr/>
-        </p:nvSpPr>
-        <p:spPr>
-          <a:xfrm>
-            <a:off x="614045" y="4844415"/>
-            <a:ext cx="1915160" cy="575945"/>
-          </a:xfrm>
-          <a:prstGeom prst="rect">
-            <a:avLst/>
-          </a:prstGeom>
-        </p:spPr>
-        <p:style>
-          <a:lnRef idx="2">
-            <a:schemeClr val="accent4"/>
-          </a:lnRef>
-          <a:fillRef idx="1">
-            <a:schemeClr val="lt1"/>
-          </a:fillRef>
-          <a:effectRef idx="0">
-            <a:schemeClr val="accent4"/>
-          </a:effectRef>
-          <a:fontRef idx="minor">
-            <a:schemeClr val="dk1"/>
-          </a:fontRef>
-        </p:style>
-        <p:txBody>
-          <a:bodyPr rtlCol="0" anchor="ctr"/>
-          <a:p>
-            <a:pPr algn="ctr"/>
-            <a:r>
-              <a:rPr lang="x-none" altLang="en-US" sz="2000"/>
-              <a:t>MachinegunB</a:t>
-            </a:r>
-            <a:endParaRPr lang="x-none" altLang="en-US" sz="2000"/>
-          </a:p>
-        </p:txBody>
-      </p:sp>
-      <p:sp>
-        <p:nvSpPr>
-          <p:cNvPr id="27" name="Rectangle 26"/>
-          <p:cNvSpPr/>
-          <p:nvPr/>
-        </p:nvSpPr>
-        <p:spPr>
-          <a:xfrm>
-            <a:off x="609600" y="5420360"/>
-            <a:ext cx="1919605" cy="575945"/>
-          </a:xfrm>
-          <a:prstGeom prst="rect">
-            <a:avLst/>
-          </a:prstGeom>
-        </p:spPr>
-        <p:style>
-          <a:lnRef idx="2">
-            <a:schemeClr val="accent4"/>
-          </a:lnRef>
-          <a:fillRef idx="1">
-            <a:schemeClr val="lt1"/>
-          </a:fillRef>
-          <a:effectRef idx="0">
-            <a:schemeClr val="accent4"/>
-          </a:effectRef>
-          <a:fontRef idx="minor">
-            <a:schemeClr val="dk1"/>
-          </a:fontRef>
-        </p:style>
-        <p:txBody>
-          <a:bodyPr rtlCol="0" anchor="ctr"/>
-          <a:p>
-            <a:pPr algn="ctr"/>
-            <a:r>
-              <a:rPr lang="x-none" altLang="en-US" sz="2000"/>
-              <a:t>ShotgunB</a:t>
-            </a:r>
-            <a:endParaRPr lang="x-none" altLang="en-US" sz="2000"/>
-          </a:p>
-        </p:txBody>
-      </p:sp>
-      <p:cxnSp>
-        <p:nvCxnSpPr>
-          <p:cNvPr id="28" name="Straight Arrow Connector 27"/>
-          <p:cNvCxnSpPr>
-            <a:stCxn id="25" idx="0"/>
-            <a:endCxn id="10" idx="2"/>
-          </p:cNvCxnSpPr>
-          <p:nvPr/>
-        </p:nvCxnSpPr>
-        <p:spPr>
-          <a:xfrm flipV="1">
-            <a:off x="1573530" y="2788920"/>
-            <a:ext cx="149860" cy="1480820"/>
-          </a:xfrm>
-          <a:prstGeom prst="straightConnector1">
-            <a:avLst/>
-          </a:prstGeom>
-          <a:ln>
-            <a:tailEnd type="arrow" w="med" len="med"/>
-          </a:ln>
-        </p:spPr>
-        <p:style>
-          <a:lnRef idx="1">
-            <a:schemeClr val="accent4"/>
-          </a:lnRef>
-          <a:fillRef idx="0">
-            <a:schemeClr val="accent4"/>
-          </a:fillRef>
-          <a:effectRef idx="0">
-            <a:schemeClr val="accent4"/>
-          </a:effectRef>
-          <a:fontRef idx="minor">
-            <a:schemeClr val="tx1"/>
-          </a:fontRef>
-        </p:style>
-      </p:cxnSp>
-      <p:sp>
-        <p:nvSpPr>
-          <p:cNvPr id="30" name="Rectangle 29"/>
-          <p:cNvSpPr/>
-          <p:nvPr/>
-        </p:nvSpPr>
-        <p:spPr>
-          <a:xfrm>
-            <a:off x="7569835" y="1314450"/>
-            <a:ext cx="1467485" cy="575945"/>
-          </a:xfrm>
-          <a:prstGeom prst="rect">
-            <a:avLst/>
-          </a:prstGeom>
-        </p:spPr>
-        <p:style>
-          <a:lnRef idx="2">
-            <a:schemeClr val="accent4"/>
-          </a:lnRef>
-          <a:fillRef idx="1">
-            <a:schemeClr val="lt1"/>
-          </a:fillRef>
-          <a:effectRef idx="0">
-            <a:schemeClr val="accent4"/>
-          </a:effectRef>
-          <a:fontRef idx="minor">
-            <a:schemeClr val="dk1"/>
-          </a:fontRef>
-        </p:style>
-        <p:txBody>
-          <a:bodyPr rtlCol="0" anchor="ctr"/>
-          <a:p>
-            <a:pPr algn="ctr"/>
-            <a:r>
-              <a:rPr lang="x-none" altLang="en-US" sz="2000"/>
-              <a:t>Weapon</a:t>
-            </a:r>
-            <a:endParaRPr lang="x-none" altLang="en-US" sz="2000"/>
-          </a:p>
-        </p:txBody>
-      </p:sp>
-      <p:sp>
-        <p:nvSpPr>
-          <p:cNvPr id="31" name="Rectangle 30"/>
-          <p:cNvSpPr/>
-          <p:nvPr/>
-        </p:nvSpPr>
-        <p:spPr>
-          <a:xfrm>
-            <a:off x="7421245" y="2275840"/>
-            <a:ext cx="1752600" cy="575945"/>
-          </a:xfrm>
-          <a:prstGeom prst="rect">
-            <a:avLst/>
-          </a:prstGeom>
-        </p:spPr>
-        <p:style>
-          <a:lnRef idx="2">
-            <a:schemeClr val="accent4"/>
-          </a:lnRef>
-          <a:fillRef idx="1">
-            <a:schemeClr val="lt1"/>
-          </a:fillRef>
-          <a:effectRef idx="0">
-            <a:schemeClr val="accent4"/>
-          </a:effectRef>
-          <a:fontRef idx="minor">
-            <a:schemeClr val="dk1"/>
-          </a:fontRef>
-        </p:style>
-        <p:txBody>
-          <a:bodyPr rtlCol="0" anchor="ctr"/>
-          <a:p>
-            <a:pPr algn="ctr"/>
-            <a:r>
-              <a:rPr lang="x-none" altLang="en-US" sz="2000"/>
-              <a:t>Rifle</a:t>
-            </a:r>
-            <a:endParaRPr lang="x-none" altLang="en-US" sz="2000"/>
-          </a:p>
-        </p:txBody>
-      </p:sp>
-      <p:sp>
-        <p:nvSpPr>
-          <p:cNvPr id="32" name="Rectangle 31"/>
-          <p:cNvSpPr/>
-          <p:nvPr/>
-        </p:nvSpPr>
-        <p:spPr>
-          <a:xfrm>
-            <a:off x="7421245" y="3427730"/>
-            <a:ext cx="1752600" cy="575945"/>
-          </a:xfrm>
-          <a:prstGeom prst="rect">
-            <a:avLst/>
-          </a:prstGeom>
-        </p:spPr>
-        <p:style>
-          <a:lnRef idx="2">
-            <a:schemeClr val="accent4"/>
-          </a:lnRef>
-          <a:fillRef idx="1">
-            <a:schemeClr val="lt1"/>
-          </a:fillRef>
-          <a:effectRef idx="0">
-            <a:schemeClr val="accent4"/>
-          </a:effectRef>
-          <a:fontRef idx="minor">
-            <a:schemeClr val="dk1"/>
-          </a:fontRef>
-        </p:style>
-        <p:txBody>
-          <a:bodyPr rtlCol="0" anchor="ctr"/>
-          <a:p>
-            <a:pPr algn="ctr"/>
-            <a:r>
-              <a:rPr lang="x-none" altLang="en-US" sz="2000"/>
-              <a:t>Shotgun</a:t>
-            </a:r>
-            <a:endParaRPr lang="x-none" altLang="en-US" sz="2000"/>
-          </a:p>
-        </p:txBody>
-      </p:sp>
-      <p:sp>
-        <p:nvSpPr>
-          <p:cNvPr id="33" name="Rectangle 32"/>
-          <p:cNvSpPr/>
-          <p:nvPr/>
-        </p:nvSpPr>
-        <p:spPr>
-          <a:xfrm>
-            <a:off x="7421245" y="2851785"/>
-            <a:ext cx="1752600" cy="575945"/>
-          </a:xfrm>
-          <a:prstGeom prst="rect">
-            <a:avLst/>
-          </a:prstGeom>
-        </p:spPr>
-        <p:style>
-          <a:lnRef idx="2">
-            <a:schemeClr val="accent4"/>
-          </a:lnRef>
-          <a:fillRef idx="1">
-            <a:schemeClr val="lt1"/>
-          </a:fillRef>
-          <a:effectRef idx="0">
-            <a:schemeClr val="accent4"/>
-          </a:effectRef>
-          <a:fontRef idx="minor">
-            <a:schemeClr val="dk1"/>
-          </a:fontRef>
-        </p:style>
-        <p:txBody>
-          <a:bodyPr rtlCol="0" anchor="ctr"/>
-          <a:p>
-            <a:pPr algn="ctr"/>
-            <a:r>
-              <a:rPr lang="x-none" altLang="en-US" sz="2000"/>
-              <a:t>Machinegun</a:t>
-            </a:r>
-            <a:endParaRPr lang="x-none" altLang="en-US" sz="2000"/>
-          </a:p>
-        </p:txBody>
-      </p:sp>
-      <p:cxnSp>
-        <p:nvCxnSpPr>
-          <p:cNvPr id="34" name="Straight Arrow Connector 33"/>
-          <p:cNvCxnSpPr>
-            <a:stCxn id="31" idx="0"/>
-            <a:endCxn id="30" idx="2"/>
-          </p:cNvCxnSpPr>
-          <p:nvPr/>
-        </p:nvCxnSpPr>
-        <p:spPr>
-          <a:xfrm flipV="1">
-            <a:off x="8297545" y="1890395"/>
-            <a:ext cx="6350" cy="385445"/>
-          </a:xfrm>
-          <a:prstGeom prst="straightConnector1">
-            <a:avLst/>
-          </a:prstGeom>
-          <a:ln>
-            <a:tailEnd type="arrow" w="med" len="med"/>
-          </a:ln>
-        </p:spPr>
-        <p:style>
-          <a:lnRef idx="1">
-            <a:schemeClr val="accent4"/>
-          </a:lnRef>
-          <a:fillRef idx="0">
-            <a:schemeClr val="accent4"/>
-          </a:fillRef>
-          <a:effectRef idx="0">
-            <a:schemeClr val="accent4"/>
-          </a:effectRef>
-          <a:fontRef idx="minor">
-            <a:schemeClr val="tx1"/>
-          </a:fontRef>
-        </p:style>
-      </p:cxnSp>
-      <p:sp>
-        <p:nvSpPr>
-          <p:cNvPr id="36" name="Rectangle 35"/>
-          <p:cNvSpPr/>
-          <p:nvPr/>
-        </p:nvSpPr>
-        <p:spPr>
-          <a:xfrm>
-            <a:off x="10115550" y="5337175"/>
-            <a:ext cx="1467485" cy="659130"/>
-          </a:xfrm>
-          <a:prstGeom prst="rect">
-            <a:avLst/>
-          </a:prstGeom>
-        </p:spPr>
-        <p:style>
-          <a:lnRef idx="2">
-            <a:schemeClr val="accent4"/>
-          </a:lnRef>
-          <a:fillRef idx="1">
-            <a:schemeClr val="lt1"/>
-          </a:fillRef>
-          <a:effectRef idx="0">
-            <a:schemeClr val="accent4"/>
-          </a:effectRef>
-          <a:fontRef idx="minor">
-            <a:schemeClr val="dk1"/>
-          </a:fontRef>
-        </p:style>
-        <p:txBody>
-          <a:bodyPr rtlCol="0" anchor="ctr"/>
-          <a:p>
-            <a:pPr algn="ctr"/>
-            <a:r>
-              <a:rPr lang="x-none" altLang="en-US" sz="2000"/>
-              <a:t>Geometry</a:t>
-            </a:r>
-            <a:endParaRPr lang="x-none" altLang="en-US" sz="2000"/>
-          </a:p>
-        </p:txBody>
-      </p:sp>
-      <p:sp>
-        <p:nvSpPr>
-          <p:cNvPr id="37" name="Rectangle 36"/>
-          <p:cNvSpPr/>
-          <p:nvPr/>
-        </p:nvSpPr>
-        <p:spPr>
-          <a:xfrm>
-            <a:off x="7179945" y="5337175"/>
-            <a:ext cx="1467485" cy="659130"/>
-          </a:xfrm>
-          <a:prstGeom prst="rect">
-            <a:avLst/>
-          </a:prstGeom>
-        </p:spPr>
-        <p:style>
-          <a:lnRef idx="2">
-            <a:schemeClr val="accent4"/>
-          </a:lnRef>
-          <a:fillRef idx="1">
-            <a:schemeClr val="lt1"/>
-          </a:fillRef>
-          <a:effectRef idx="0">
-            <a:schemeClr val="accent4"/>
-          </a:effectRef>
-          <a:fontRef idx="minor">
-            <a:schemeClr val="dk1"/>
-          </a:fontRef>
-        </p:style>
-        <p:txBody>
-          <a:bodyPr rtlCol="0" anchor="ctr"/>
-          <a:p>
-            <a:pPr algn="ctr"/>
-            <a:r>
-              <a:rPr lang="x-none" altLang="en-US" sz="2000"/>
-              <a:t>Music</a:t>
-            </a:r>
-            <a:endParaRPr lang="x-none" altLang="en-US" sz="2000"/>
-          </a:p>
-        </p:txBody>
-      </p:sp>
-      <p:sp>
-        <p:nvSpPr>
-          <p:cNvPr id="38" name="Rectangle 37"/>
-          <p:cNvSpPr/>
-          <p:nvPr/>
-        </p:nvSpPr>
-        <p:spPr>
-          <a:xfrm>
-            <a:off x="8647430" y="5337175"/>
-            <a:ext cx="1467485" cy="659130"/>
-          </a:xfrm>
-          <a:prstGeom prst="rect">
-            <a:avLst/>
-          </a:prstGeom>
-        </p:spPr>
-        <p:style>
-          <a:lnRef idx="2">
-            <a:schemeClr val="accent4"/>
-          </a:lnRef>
-          <a:fillRef idx="1">
-            <a:schemeClr val="lt1"/>
-          </a:fillRef>
-          <a:effectRef idx="0">
-            <a:schemeClr val="accent4"/>
-          </a:effectRef>
-          <a:fontRef idx="minor">
-            <a:schemeClr val="dk1"/>
-          </a:fontRef>
-        </p:style>
-        <p:txBody>
-          <a:bodyPr rtlCol="0" anchor="ctr"/>
-          <a:p>
-            <a:pPr algn="ctr"/>
-            <a:r>
-              <a:rPr lang="x-none" altLang="en-US" sz="2000"/>
-              <a:t>Graphic</a:t>
-            </a:r>
-            <a:endParaRPr lang="x-none" altLang="en-US" sz="2000"/>
-          </a:p>
-        </p:txBody>
-      </p:sp>
-      <p:sp>
-        <p:nvSpPr>
-          <p:cNvPr id="39" name="Rectangle 38"/>
-          <p:cNvSpPr/>
-          <p:nvPr/>
-        </p:nvSpPr>
-        <p:spPr>
-          <a:xfrm>
-            <a:off x="10115550" y="2212975"/>
-            <a:ext cx="1467485" cy="575945"/>
-          </a:xfrm>
-          <a:prstGeom prst="rect">
-            <a:avLst/>
-          </a:prstGeom>
-        </p:spPr>
-        <p:style>
-          <a:lnRef idx="2">
-            <a:schemeClr val="accent4"/>
-          </a:lnRef>
-          <a:fillRef idx="1">
-            <a:schemeClr val="lt1"/>
-          </a:fillRef>
-          <a:effectRef idx="0">
-            <a:schemeClr val="accent4"/>
-          </a:effectRef>
-          <a:fontRef idx="minor">
-            <a:schemeClr val="dk1"/>
-          </a:fontRef>
-        </p:style>
-        <p:txBody>
-          <a:bodyPr rtlCol="0" anchor="ctr"/>
-          <a:p>
-            <a:pPr algn="ctr"/>
-            <a:r>
-              <a:rPr lang="x-none" altLang="en-US" sz="2000"/>
-              <a:t>Level</a:t>
-            </a:r>
-            <a:endParaRPr lang="x-none" altLang="en-US" sz="2000"/>
-          </a:p>
-        </p:txBody>
-      </p:sp>
-      <p:sp>
-        <p:nvSpPr>
-          <p:cNvPr id="40" name="Rectangle 39"/>
-          <p:cNvSpPr/>
-          <p:nvPr/>
-        </p:nvSpPr>
-        <p:spPr>
-          <a:xfrm>
-            <a:off x="10114915" y="2788920"/>
-            <a:ext cx="1467485" cy="575945"/>
-          </a:xfrm>
-          <a:prstGeom prst="rect">
-            <a:avLst/>
-          </a:prstGeom>
-        </p:spPr>
-        <p:style>
-          <a:lnRef idx="2">
-            <a:schemeClr val="accent4"/>
-          </a:lnRef>
-          <a:fillRef idx="1">
-            <a:schemeClr val="lt1"/>
-          </a:fillRef>
-          <a:effectRef idx="0">
-            <a:schemeClr val="accent4"/>
-          </a:effectRef>
-          <a:fontRef idx="minor">
-            <a:schemeClr val="dk1"/>
-          </a:fontRef>
-        </p:style>
-        <p:txBody>
-          <a:bodyPr rtlCol="0" anchor="ctr"/>
-          <a:p>
-            <a:pPr algn="ctr"/>
-            <a:r>
-              <a:rPr lang="x-none" altLang="en-US" sz="2000"/>
-              <a:t>Stage</a:t>
-            </a:r>
-            <a:endParaRPr lang="x-none" altLang="en-US" sz="2000"/>
-          </a:p>
-        </p:txBody>
-      </p:sp>
+      </p:pic>
     </p:spTree>
   </p:cSld>
   <p:clrMapOvr>

--- a/FEFU Invaders.pptx
+++ b/FEFU Invaders.pptx
@@ -8,7 +8,7 @@
     <p:notesMasterId r:id="rId13"/>
   </p:notesMasterIdLst>
   <p:handoutMasterIdLst>
-    <p:handoutMasterId r:id="rId18"/>
+    <p:handoutMasterId r:id="rId19"/>
   </p:handoutMasterIdLst>
   <p:sldIdLst>
     <p:sldId id="256" r:id="rId3"/>
@@ -25,6 +25,7 @@
     <p:sldId id="267" r:id="rId15"/>
     <p:sldId id="268" r:id="rId16"/>
     <p:sldId id="269" r:id="rId17"/>
+    <p:sldId id="282" r:id="rId18"/>
   </p:sldIdLst>
   <p:sldSz cx="12192000" cy="6858000"/>
   <p:notesSz cx="6858000" cy="9144000"/>
@@ -689,7 +690,7 @@
             <a:spLocks noGrp="1"/>
           </p:cNvSpPr>
           <p:nvPr>
-            <p:ph type="ctrTitle" hasCustomPrompt="1"/>
+            <p:ph type="ctrTitle"/>
           </p:nvPr>
         </p:nvSpPr>
         <p:spPr>
@@ -721,7 +722,7 @@
             <a:spLocks noGrp="1"/>
           </p:cNvSpPr>
           <p:nvPr>
-            <p:ph type="subTitle" idx="1" hasCustomPrompt="1"/>
+            <p:ph type="subTitle" idx="1"/>
           </p:nvPr>
         </p:nvSpPr>
         <p:spPr>
@@ -881,7 +882,7 @@
             <a:spLocks noGrp="1"/>
           </p:cNvSpPr>
           <p:nvPr>
-            <p:ph type="title" hasCustomPrompt="1"/>
+            <p:ph type="title"/>
           </p:nvPr>
         </p:nvSpPr>
         <p:spPr/>
@@ -904,7 +905,7 @@
             <a:spLocks noGrp="1"/>
           </p:cNvSpPr>
           <p:nvPr>
-            <p:ph type="body" orient="vert" idx="1" hasCustomPrompt="1"/>
+            <p:ph type="body" orient="vert" idx="1"/>
           </p:nvPr>
         </p:nvSpPr>
         <p:spPr/>
@@ -1054,7 +1055,7 @@
             <a:spLocks noGrp="1"/>
           </p:cNvSpPr>
           <p:nvPr>
-            <p:ph type="title" orient="vert" hasCustomPrompt="1"/>
+            <p:ph type="title" orient="vert"/>
           </p:nvPr>
         </p:nvSpPr>
         <p:spPr>
@@ -1082,7 +1083,7 @@
             <a:spLocks noGrp="1"/>
           </p:cNvSpPr>
           <p:nvPr>
-            <p:ph type="body" orient="vert" idx="1" hasCustomPrompt="1"/>
+            <p:ph type="body" orient="vert" idx="1"/>
           </p:nvPr>
         </p:nvSpPr>
         <p:spPr>
@@ -1237,7 +1238,7 @@
             <a:spLocks noGrp="1"/>
           </p:cNvSpPr>
           <p:nvPr>
-            <p:ph type="title" hasCustomPrompt="1"/>
+            <p:ph type="title"/>
           </p:nvPr>
         </p:nvSpPr>
         <p:spPr/>
@@ -1260,7 +1261,7 @@
             <a:spLocks noGrp="1"/>
           </p:cNvSpPr>
           <p:nvPr>
-            <p:ph idx="1" hasCustomPrompt="1"/>
+            <p:ph idx="1"/>
           </p:nvPr>
         </p:nvSpPr>
         <p:spPr/>
@@ -1416,7 +1417,7 @@
             <a:spLocks noGrp="1"/>
           </p:cNvSpPr>
           <p:nvPr>
-            <p:ph type="title" hasCustomPrompt="1"/>
+            <p:ph type="title"/>
           </p:nvPr>
         </p:nvSpPr>
         <p:spPr>
@@ -1448,7 +1449,7 @@
             <a:spLocks noGrp="1"/>
           </p:cNvSpPr>
           <p:nvPr>
-            <p:ph type="body" idx="1" hasCustomPrompt="1"/>
+            <p:ph type="body" idx="1"/>
           </p:nvPr>
         </p:nvSpPr>
         <p:spPr>
@@ -1661,7 +1662,7 @@
             <a:spLocks noGrp="1"/>
           </p:cNvSpPr>
           <p:nvPr>
-            <p:ph type="title" hasCustomPrompt="1"/>
+            <p:ph type="title"/>
           </p:nvPr>
         </p:nvSpPr>
         <p:spPr/>
@@ -1684,7 +1685,7 @@
             <a:spLocks noGrp="1"/>
           </p:cNvSpPr>
           <p:nvPr>
-            <p:ph sz="half" idx="1" hasCustomPrompt="1"/>
+            <p:ph sz="half" idx="1"/>
           </p:nvPr>
         </p:nvSpPr>
         <p:spPr>
@@ -1745,7 +1746,7 @@
             <a:spLocks noGrp="1"/>
           </p:cNvSpPr>
           <p:nvPr>
-            <p:ph sz="half" idx="2" hasCustomPrompt="1"/>
+            <p:ph sz="half" idx="2"/>
           </p:nvPr>
         </p:nvSpPr>
         <p:spPr>
@@ -1900,7 +1901,7 @@
             <a:spLocks noGrp="1"/>
           </p:cNvSpPr>
           <p:nvPr>
-            <p:ph type="title" hasCustomPrompt="1"/>
+            <p:ph type="title"/>
           </p:nvPr>
         </p:nvSpPr>
         <p:spPr>
@@ -1928,7 +1929,7 @@
             <a:spLocks noGrp="1"/>
           </p:cNvSpPr>
           <p:nvPr>
-            <p:ph type="body" idx="1" hasCustomPrompt="1"/>
+            <p:ph type="body" idx="1"/>
           </p:nvPr>
         </p:nvSpPr>
         <p:spPr>
@@ -1993,7 +1994,7 @@
             <a:spLocks noGrp="1"/>
           </p:cNvSpPr>
           <p:nvPr>
-            <p:ph sz="half" idx="2" hasCustomPrompt="1"/>
+            <p:ph sz="half" idx="2"/>
           </p:nvPr>
         </p:nvSpPr>
         <p:spPr>
@@ -2054,7 +2055,7 @@
             <a:spLocks noGrp="1"/>
           </p:cNvSpPr>
           <p:nvPr>
-            <p:ph type="body" sz="quarter" idx="3" hasCustomPrompt="1"/>
+            <p:ph type="body" sz="quarter" idx="3"/>
           </p:nvPr>
         </p:nvSpPr>
         <p:spPr>
@@ -2119,7 +2120,7 @@
             <a:spLocks noGrp="1"/>
           </p:cNvSpPr>
           <p:nvPr>
-            <p:ph sz="quarter" idx="4" hasCustomPrompt="1"/>
+            <p:ph sz="quarter" idx="4"/>
           </p:nvPr>
         </p:nvSpPr>
         <p:spPr>
@@ -2274,7 +2275,7 @@
             <a:spLocks noGrp="1"/>
           </p:cNvSpPr>
           <p:nvPr>
-            <p:ph type="title" hasCustomPrompt="1"/>
+            <p:ph type="title"/>
           </p:nvPr>
         </p:nvSpPr>
         <p:spPr/>
@@ -2485,7 +2486,7 @@
             <a:spLocks noGrp="1"/>
           </p:cNvSpPr>
           <p:nvPr>
-            <p:ph type="title" hasCustomPrompt="1"/>
+            <p:ph type="title"/>
           </p:nvPr>
         </p:nvSpPr>
         <p:spPr>
@@ -2517,7 +2518,7 @@
             <a:spLocks noGrp="1"/>
           </p:cNvSpPr>
           <p:nvPr>
-            <p:ph idx="1" hasCustomPrompt="1"/>
+            <p:ph idx="1"/>
           </p:nvPr>
         </p:nvSpPr>
         <p:spPr>
@@ -2606,7 +2607,7 @@
             <a:spLocks noGrp="1"/>
           </p:cNvSpPr>
           <p:nvPr>
-            <p:ph type="body" sz="half" idx="2" hasCustomPrompt="1"/>
+            <p:ph type="body" sz="half" idx="2"/>
           </p:nvPr>
         </p:nvSpPr>
         <p:spPr>
@@ -2765,7 +2766,7 @@
             <a:spLocks noGrp="1"/>
           </p:cNvSpPr>
           <p:nvPr>
-            <p:ph type="title" hasCustomPrompt="1"/>
+            <p:ph type="title"/>
           </p:nvPr>
         </p:nvSpPr>
         <p:spPr>
@@ -2858,7 +2859,7 @@
             <a:spLocks noGrp="1"/>
           </p:cNvSpPr>
           <p:nvPr>
-            <p:ph type="body" sz="half" idx="2" hasCustomPrompt="1"/>
+            <p:ph type="body" sz="half" idx="2"/>
           </p:nvPr>
         </p:nvSpPr>
         <p:spPr>
@@ -3219,7 +3220,7 @@
                   </a:schemeClr>
                 </a:solidFill>
               </a:rPr>
-              <a:t> / 12</a:t>
+              <a:t> / 15</a:t>
             </a:r>
             <a:endParaRPr lang="x-none" altLang="en-US" sz="1400">
               <a:solidFill>
@@ -3465,7 +3466,7 @@
         <a:spcAft>
           <a:spcPct val="0"/>
         </a:spcAft>
-        <a:buFont typeface="Arial" charset="0"/>
+        <a:buFont typeface="Arial" panose="02080604020202020204" charset="0"/>
         <a:buNone/>
         <a:defRPr sz="1800" b="0" i="0" u="none" kern="1200" baseline="0">
           <a:solidFill>
@@ -3486,7 +3487,7 @@
         <a:spcAft>
           <a:spcPct val="0"/>
         </a:spcAft>
-        <a:buFont typeface="Arial" charset="0"/>
+        <a:buFont typeface="Arial" panose="02080604020202020204" charset="0"/>
         <a:buNone/>
         <a:defRPr sz="1800" b="0" i="0" u="none" kern="1200" baseline="0">
           <a:solidFill>
@@ -3507,7 +3508,7 @@
         <a:spcAft>
           <a:spcPct val="0"/>
         </a:spcAft>
-        <a:buFont typeface="Arial" charset="0"/>
+        <a:buFont typeface="Arial" panose="02080604020202020204" charset="0"/>
         <a:buNone/>
         <a:defRPr sz="1800" b="0" i="0" u="none" kern="1200" baseline="0">
           <a:solidFill>
@@ -3528,7 +3529,7 @@
         <a:spcAft>
           <a:spcPct val="0"/>
         </a:spcAft>
-        <a:buFont typeface="Arial" charset="0"/>
+        <a:buFont typeface="Arial" panose="02080604020202020204" charset="0"/>
         <a:buNone/>
         <a:defRPr sz="1800" b="0" i="0" u="none" kern="1200" baseline="0">
           <a:solidFill>
@@ -3549,7 +3550,7 @@
         <a:spcAft>
           <a:spcPct val="0"/>
         </a:spcAft>
-        <a:buFont typeface="Arial" charset="0"/>
+        <a:buFont typeface="Arial" panose="02080604020202020204" charset="0"/>
         <a:buNone/>
         <a:defRPr sz="1800" b="0" i="0" u="none" kern="1200" baseline="0">
           <a:solidFill>
@@ -3570,7 +3571,7 @@
         <a:spcAft>
           <a:spcPct val="0"/>
         </a:spcAft>
-        <a:buFont typeface="Arial" charset="0"/>
+        <a:buFont typeface="Arial" panose="02080604020202020204" charset="0"/>
         <a:buNone/>
         <a:defRPr sz="1800" b="0" i="0" u="none" kern="1200" baseline="0">
           <a:solidFill>
@@ -3591,7 +3592,7 @@
         <a:spcAft>
           <a:spcPct val="0"/>
         </a:spcAft>
-        <a:buFont typeface="Arial" charset="0"/>
+        <a:buFont typeface="Arial" panose="02080604020202020204" charset="0"/>
         <a:buNone/>
         <a:defRPr sz="1800" b="0" i="0" u="none" kern="1200" baseline="0">
           <a:solidFill>
@@ -3612,7 +3613,7 @@
         <a:spcAft>
           <a:spcPct val="0"/>
         </a:spcAft>
-        <a:buFont typeface="Arial" charset="0"/>
+        <a:buFont typeface="Arial" panose="02080604020202020204" charset="0"/>
         <a:buNone/>
         <a:defRPr sz="1800" b="0" i="0" u="none" kern="1200" baseline="0">
           <a:solidFill>
@@ -3633,7 +3634,7 @@
         <a:spcAft>
           <a:spcPct val="0"/>
         </a:spcAft>
-        <a:buFont typeface="Arial" charset="0"/>
+        <a:buFont typeface="Arial" panose="02080604020202020204" charset="0"/>
         <a:buNone/>
         <a:defRPr sz="1800" b="0" i="0" u="none" kern="1200" baseline="0">
           <a:solidFill>
@@ -3680,12 +3681,17 @@
           <a:p>
             <a:r>
               <a:rPr lang="x-none" altLang="en-US" sz="6000">
-                <a:latin typeface="Arial" charset="0"/>
+                <a:latin typeface="Arial" panose="02080604020202020204" charset="0"/>
               </a:rPr>
-              <a:t>FEFU Invaders</a:t>
-            </a:r>
-            <a:endParaRPr lang="x-none" altLang="en-US" sz="6000">
-              <a:latin typeface="Arial" charset="0"/>
+              <a:t>Игра "FEFU Invaders"</a:t>
+            </a:r>
+            <a:br>
+              <a:rPr lang="x-none" altLang="en-US" sz="6000">
+                <a:latin typeface="Arial" panose="02080604020202020204" charset="0"/>
+              </a:rPr>
+            </a:br>
+            <a:endParaRPr lang="x-none" altLang="en-US" sz="1800">
+              <a:latin typeface="Arial" panose="02080604020202020204" charset="0"/>
             </a:endParaRPr>
           </a:p>
         </p:txBody>
@@ -3710,13 +3716,13 @@
             <a:pPr algn="l"/>
             <a:r>
               <a:rPr lang="x-none" altLang="en-US">
-                <a:latin typeface="Arial" charset="0"/>
+                <a:latin typeface="Arial" panose="02080604020202020204" charset="0"/>
                 <a:sym typeface="+mn-ea"/>
               </a:rPr>
               <a:t>Студентый группы Б8103а:</a:t>
             </a:r>
             <a:endParaRPr lang="x-none" altLang="en-US">
-              <a:latin typeface="Arial" charset="0"/>
+              <a:latin typeface="Arial" panose="02080604020202020204" charset="0"/>
               <a:sym typeface="+mn-ea"/>
             </a:endParaRPr>
           </a:p>
@@ -3724,13 +3730,13 @@
             <a:pPr algn="l"/>
             <a:r>
               <a:rPr lang="x-none" altLang="en-US">
-                <a:latin typeface="Arial" charset="0"/>
+                <a:latin typeface="Arial" panose="02080604020202020204" charset="0"/>
                 <a:sym typeface="+mn-ea"/>
               </a:rPr>
               <a:t>Паленный Дмитрий</a:t>
             </a:r>
             <a:endParaRPr lang="x-none" altLang="en-US">
-              <a:latin typeface="Arial" charset="0"/>
+              <a:latin typeface="Arial" panose="02080604020202020204" charset="0"/>
               <a:sym typeface="+mn-ea"/>
             </a:endParaRPr>
           </a:p>
@@ -3738,13 +3744,13 @@
             <a:pPr algn="l"/>
             <a:r>
               <a:rPr lang="x-none" altLang="en-US">
-                <a:latin typeface="Arial" charset="0"/>
+                <a:latin typeface="Arial" panose="02080604020202020204" charset="0"/>
                 <a:sym typeface="+mn-ea"/>
               </a:rPr>
               <a:t>Потоцкая Анастасия</a:t>
             </a:r>
             <a:endParaRPr lang="x-none" altLang="en-US">
-              <a:latin typeface="Arial" charset="0"/>
+              <a:latin typeface="Arial" panose="02080604020202020204" charset="0"/>
               <a:sym typeface="+mn-ea"/>
             </a:endParaRPr>
           </a:p>
@@ -3752,13 +3758,13 @@
             <a:pPr algn="l"/>
             <a:r>
               <a:rPr lang="x-none" altLang="en-US">
-                <a:latin typeface="Arial" charset="0"/>
+                <a:latin typeface="Arial" panose="02080604020202020204" charset="0"/>
                 <a:sym typeface="+mn-ea"/>
               </a:rPr>
               <a:t>Родионов Петр</a:t>
             </a:r>
             <a:endParaRPr lang="x-none" altLang="en-US">
-              <a:latin typeface="Arial" charset="0"/>
+              <a:latin typeface="Arial" panose="02080604020202020204" charset="0"/>
               <a:sym typeface="+mn-ea"/>
             </a:endParaRPr>
           </a:p>
@@ -3788,24 +3794,24 @@
             <a:pPr algn="ctr"/>
             <a:r>
               <a:rPr lang="x-none" sz="1400">
-                <a:latin typeface="Arial" charset="0"/>
+                <a:latin typeface="Arial" panose="02080604020202020204" charset="0"/>
               </a:rPr>
               <a:t>Дальневосточный федеральный университет</a:t>
             </a:r>
             <a:endParaRPr lang="x-none" sz="1400">
-              <a:latin typeface="Arial" charset="0"/>
+              <a:latin typeface="Arial" panose="02080604020202020204" charset="0"/>
             </a:endParaRPr>
           </a:p>
           <a:p>
             <a:pPr algn="ctr"/>
             <a:r>
               <a:rPr lang="x-none" sz="1400">
-                <a:latin typeface="Arial" charset="0"/>
+                <a:latin typeface="Arial" panose="02080604020202020204" charset="0"/>
               </a:rPr>
               <a:t>2017 г. </a:t>
             </a:r>
             <a:endParaRPr lang="x-none" sz="1400">
-              <a:latin typeface="Arial" charset="0"/>
+              <a:latin typeface="Arial" panose="02080604020202020204" charset="0"/>
             </a:endParaRPr>
           </a:p>
         </p:txBody>
@@ -5357,7 +5363,7 @@
             </a:pPr>
             <a:r>
               <a:rPr lang="x-none" altLang="en-US" sz="2800"/>
-              <a:t>Коммитов: 97</a:t>
+              <a:t>Коммитов: 102</a:t>
             </a:r>
             <a:endParaRPr lang="x-none" altLang="en-US" sz="2800"/>
           </a:p>
@@ -5367,7 +5373,7 @@
             </a:pPr>
             <a:r>
               <a:rPr lang="x-none" altLang="en-US" sz="2800"/>
-              <a:t>Строк кода: 2578</a:t>
+              <a:t>Строк кода: 2688</a:t>
             </a:r>
             <a:endParaRPr lang="x-none" altLang="en-US" sz="2800"/>
           </a:p>
@@ -5379,7 +5385,7 @@
               <a:rPr lang="x-none" altLang="en-US" sz="2800">
                 <a:sym typeface="+mn-ea"/>
               </a:rPr>
-              <a:t>4247 </a:t>
+              <a:t>4400 </a:t>
             </a:r>
             <a:r>
               <a:rPr lang="x-none" altLang="en-US" sz="2800">
@@ -5403,7 +5409,7 @@
             </a:r>
             <a:r>
               <a:rPr lang="x-none" altLang="en-US" sz="2800"/>
-              <a:t>1669</a:t>
+              <a:t>1712</a:t>
             </a:r>
             <a:endParaRPr lang="x-none" altLang="en-US" sz="2800"/>
           </a:p>
@@ -5801,7 +5807,7 @@
           </a:p>
           <a:p>
             <a:pPr marL="457200" indent="-457200">
-              <a:buFont typeface="Arial" charset="0"/>
+              <a:buFont typeface="Arial" panose="02080604020202020204" charset="0"/>
               <a:buChar char="•"/>
             </a:pPr>
             <a:r>
@@ -5848,7 +5854,7 @@
           </a:p>
           <a:p>
             <a:pPr marL="457200" indent="-457200" algn="r">
-              <a:buFont typeface="Arial" charset="0"/>
+              <a:buFont typeface="Arial" panose="02080604020202020204" charset="0"/>
               <a:buChar char="•"/>
             </a:pPr>
             <a:r>
@@ -5859,7 +5865,7 @@
           </a:p>
           <a:p>
             <a:pPr marL="457200" indent="-457200" algn="r">
-              <a:buFont typeface="Arial" charset="0"/>
+              <a:buFont typeface="Arial" panose="02080604020202020204" charset="0"/>
               <a:buChar char="•"/>
             </a:pPr>
             <a:r>
@@ -5867,6 +5873,64 @@
               <a:t>Sublime Text</a:t>
             </a:r>
             <a:endParaRPr lang="x-none" altLang="en-US" sz="2800"/>
+          </a:p>
+        </p:txBody>
+      </p:sp>
+    </p:spTree>
+  </p:cSld>
+  <p:clrMapOvr>
+    <a:masterClrMapping/>
+  </p:clrMapOvr>
+</p:sld>
+</file>
+
+<file path=ppt/slides/slide15.xml><?xml version="1.0" encoding="utf-8"?>
+<p:sld xmlns:a="http://schemas.openxmlformats.org/drawingml/2006/main" xmlns:r="http://schemas.openxmlformats.org/officeDocument/2006/relationships" xmlns:p="http://schemas.openxmlformats.org/presentationml/2006/main">
+  <p:cSld>
+    <p:spTree>
+      <p:nvGrpSpPr>
+        <p:cNvPr id="1" name=""/>
+        <p:cNvGrpSpPr/>
+        <p:nvPr/>
+      </p:nvGrpSpPr>
+      <p:grpSpPr/>
+      <p:sp>
+        <p:nvSpPr>
+          <p:cNvPr id="3" name="Замещающее содержимое 2"/>
+          <p:cNvSpPr>
+            <a:spLocks noGrp="1"/>
+          </p:cNvSpPr>
+          <p:nvPr>
+            <p:ph idx="1"/>
+          </p:nvPr>
+        </p:nvSpPr>
+        <p:spPr>
+          <a:xfrm>
+            <a:off x="1413510" y="2336165"/>
+            <a:ext cx="9160510" cy="925195"/>
+          </a:xfrm>
+        </p:spPr>
+        <p:txBody>
+          <a:bodyPr/>
+          <a:p>
+            <a:pPr marL="0" indent="0" algn="ctr">
+              <a:buNone/>
+            </a:pPr>
+            <a:r>
+              <a:rPr lang="x-none" altLang="ru-RU" sz="4400"/>
+              <a:t>Ссылка на игру:</a:t>
+            </a:r>
+            <a:endParaRPr lang="x-none" altLang="ru-RU" sz="4400"/>
+          </a:p>
+          <a:p>
+            <a:pPr marL="0" indent="0" algn="ctr">
+              <a:buNone/>
+            </a:pPr>
+            <a:r>
+              <a:rPr lang="x-none" altLang="ru-RU" sz="4400" b="1"/>
+              <a:t>https://direded.github.io</a:t>
+            </a:r>
+            <a:endParaRPr lang="x-none" altLang="ru-RU" sz="4400" b="1"/>
           </a:p>
         </p:txBody>
       </p:sp>
@@ -5942,13 +6006,13 @@
             </a:pPr>
             <a:r>
               <a:rPr lang="x-none" altLang="en-US" sz="2800">
-                <a:latin typeface="Arial" charset="0"/>
+                <a:latin typeface="Arial" panose="02080604020202020204" charset="0"/>
                 <a:sym typeface="+mn-ea"/>
               </a:rPr>
               <a:t>Жанр: вертикальный кооперативный шутер с видом сверху.</a:t>
             </a:r>
             <a:endParaRPr lang="x-none" altLang="en-US" sz="2800">
-              <a:latin typeface="Arial" charset="0"/>
+              <a:latin typeface="Arial" panose="02080604020202020204" charset="0"/>
             </a:endParaRPr>
           </a:p>
           <a:p>
@@ -5963,12 +6027,12 @@
             </a:pPr>
             <a:r>
               <a:rPr lang="x-none" altLang="en-US" sz="2800">
-                <a:latin typeface="Arial" charset="0"/>
+                <a:latin typeface="Arial" panose="02080604020202020204" charset="0"/>
               </a:rPr>
               <a:t>Цель игры: пережить наступление космических кораблей, набрав как можно больше очков за убийство врагов.</a:t>
             </a:r>
             <a:endParaRPr lang="x-none" altLang="en-US" sz="2800">
-              <a:latin typeface="Arial" charset="0"/>
+              <a:latin typeface="Arial" panose="02080604020202020204" charset="0"/>
             </a:endParaRPr>
           </a:p>
         </p:txBody>
